--- a/Unit Testing.pptx
+++ b/Unit Testing.pptx
@@ -5514,7 +5514,7 @@
                 </a:solidFill>
                 <a:latin typeface="Montserrat" panose="00000500000000000000" pitchFamily="50" charset="0"/>
               </a:rPr>
-              <a:t>VueX</a:t>
+              <a:t>Vuex</a:t>
             </a:r>
             <a:r>
               <a:rPr lang="en-US" sz="1800" dirty="0">
@@ -5894,64 +5894,6 @@
       </p:sp>
       <p:pic>
         <p:nvPicPr>
-          <p:cNvPr id="9" name="Picture 8">
-            <a:extLst>
-              <a:ext uri="{FF2B5EF4-FFF2-40B4-BE49-F238E27FC236}">
-                <a16:creationId xmlns:a16="http://schemas.microsoft.com/office/drawing/2014/main" id="{7A5D15A4-B0F4-40BA-BBE9-A2DCFD09EB78}"/>
-              </a:ext>
-            </a:extLst>
-          </p:cNvPr>
-          <p:cNvPicPr>
-            <a:picLocks noChangeAspect="1"/>
-          </p:cNvPicPr>
-          <p:nvPr/>
-        </p:nvPicPr>
-        <p:blipFill rotWithShape="1">
-          <a:blip r:embed="rId2"/>
-          <a:srcRect t="16549" b="18166"/>
-          <a:stretch/>
-        </p:blipFill>
-        <p:spPr>
-          <a:xfrm>
-            <a:off x="1191740" y="1149017"/>
-            <a:ext cx="4328971" cy="2026701"/>
-          </a:xfrm>
-          <a:prstGeom prst="rect">
-            <a:avLst/>
-          </a:prstGeom>
-        </p:spPr>
-      </p:pic>
-      <p:pic>
-        <p:nvPicPr>
-          <p:cNvPr id="15" name="Picture 14">
-            <a:extLst>
-              <a:ext uri="{FF2B5EF4-FFF2-40B4-BE49-F238E27FC236}">
-                <a16:creationId xmlns:a16="http://schemas.microsoft.com/office/drawing/2014/main" id="{A63A5A4A-5B3B-4BF6-8D78-EE81996A1C84}"/>
-              </a:ext>
-            </a:extLst>
-          </p:cNvPr>
-          <p:cNvPicPr>
-            <a:picLocks noChangeAspect="1"/>
-          </p:cNvPicPr>
-          <p:nvPr/>
-        </p:nvPicPr>
-        <p:blipFill rotWithShape="1">
-          <a:blip r:embed="rId3"/>
-          <a:srcRect t="16937" b="16248"/>
-          <a:stretch/>
-        </p:blipFill>
-        <p:spPr>
-          <a:xfrm>
-            <a:off x="6275225" y="1139714"/>
-            <a:ext cx="4240338" cy="2082295"/>
-          </a:xfrm>
-          <a:prstGeom prst="rect">
-            <a:avLst/>
-          </a:prstGeom>
-        </p:spPr>
-      </p:pic>
-      <p:pic>
-        <p:nvPicPr>
           <p:cNvPr id="1026" name="Picture 2" descr="Check  free icon">
             <a:extLst>
               <a:ext uri="{FF2B5EF4-FFF2-40B4-BE49-F238E27FC236}">
@@ -5965,7 +5907,7 @@
           <p:nvPr/>
         </p:nvPicPr>
         <p:blipFill>
-          <a:blip r:embed="rId4">
+          <a:blip r:embed="rId2">
             <a:extLst>
               <a:ext uri="{28A0092B-C50C-407E-A947-70E740481C1C}">
                 <a14:useLocalDpi xmlns:a14="http://schemas.microsoft.com/office/drawing/2010/main" val="0"/>
@@ -6012,7 +5954,7 @@
           <p:nvPr/>
         </p:nvPicPr>
         <p:blipFill>
-          <a:blip r:embed="rId5">
+          <a:blip r:embed="rId3">
             <a:extLst>
               <a:ext uri="{28A0092B-C50C-407E-A947-70E740481C1C}">
                 <a14:useLocalDpi xmlns:a14="http://schemas.microsoft.com/office/drawing/2010/main" val="0"/>
@@ -6046,10 +5988,68 @@
       </p:pic>
       <p:pic>
         <p:nvPicPr>
-          <p:cNvPr id="19" name="Picture 18">
+          <p:cNvPr id="5" name="Picture 4">
             <a:extLst>
               <a:ext uri="{FF2B5EF4-FFF2-40B4-BE49-F238E27FC236}">
-                <a16:creationId xmlns:a16="http://schemas.microsoft.com/office/drawing/2014/main" id="{8B7C0D06-6379-436B-BD77-C282F73E1780}"/>
+                <a16:creationId xmlns:a16="http://schemas.microsoft.com/office/drawing/2014/main" id="{69C5E790-9042-4E7A-BB5D-6F64A277C725}"/>
+              </a:ext>
+            </a:extLst>
+          </p:cNvPr>
+          <p:cNvPicPr>
+            <a:picLocks noChangeAspect="1"/>
+          </p:cNvPicPr>
+          <p:nvPr/>
+        </p:nvPicPr>
+        <p:blipFill rotWithShape="1">
+          <a:blip r:embed="rId4"/>
+          <a:srcRect t="17554" b="17390"/>
+          <a:stretch/>
+        </p:blipFill>
+        <p:spPr>
+          <a:xfrm>
+            <a:off x="1241184" y="1135884"/>
+            <a:ext cx="4201519" cy="1978626"/>
+          </a:xfrm>
+          <a:prstGeom prst="rect">
+            <a:avLst/>
+          </a:prstGeom>
+        </p:spPr>
+      </p:pic>
+      <p:pic>
+        <p:nvPicPr>
+          <p:cNvPr id="7" name="Picture 6">
+            <a:extLst>
+              <a:ext uri="{FF2B5EF4-FFF2-40B4-BE49-F238E27FC236}">
+                <a16:creationId xmlns:a16="http://schemas.microsoft.com/office/drawing/2014/main" id="{7CD491CB-0653-4D0B-B089-29551637DA80}"/>
+              </a:ext>
+            </a:extLst>
+          </p:cNvPr>
+          <p:cNvPicPr>
+            <a:picLocks noChangeAspect="1"/>
+          </p:cNvPicPr>
+          <p:nvPr/>
+        </p:nvPicPr>
+        <p:blipFill rotWithShape="1">
+          <a:blip r:embed="rId5"/>
+          <a:srcRect t="18319" b="18335"/>
+          <a:stretch/>
+        </p:blipFill>
+        <p:spPr>
+          <a:xfrm>
+            <a:off x="6323415" y="1187917"/>
+            <a:ext cx="4201519" cy="1926593"/>
+          </a:xfrm>
+          <a:prstGeom prst="rect">
+            <a:avLst/>
+          </a:prstGeom>
+        </p:spPr>
+      </p:pic>
+      <p:pic>
+        <p:nvPicPr>
+          <p:cNvPr id="13" name="Picture 12">
+            <a:extLst>
+              <a:ext uri="{FF2B5EF4-FFF2-40B4-BE49-F238E27FC236}">
+                <a16:creationId xmlns:a16="http://schemas.microsoft.com/office/drawing/2014/main" id="{12F37F1C-AF8C-4066-8841-E3A5B2CB40C7}"/>
               </a:ext>
             </a:extLst>
           </p:cNvPr>
@@ -6066,8 +6066,8 @@
         </p:blipFill>
         <p:spPr>
           <a:xfrm>
-            <a:off x="6490411" y="3188167"/>
-            <a:ext cx="4343590" cy="2799784"/>
+            <a:off x="1423153" y="3429000"/>
+            <a:ext cx="3826180" cy="2021891"/>
           </a:xfrm>
           <a:prstGeom prst="rect">
             <a:avLst/>
@@ -6076,10 +6076,10 @@
       </p:pic>
       <p:pic>
         <p:nvPicPr>
-          <p:cNvPr id="23" name="Picture 22">
+          <p:cNvPr id="21" name="Picture 20">
             <a:extLst>
               <a:ext uri="{FF2B5EF4-FFF2-40B4-BE49-F238E27FC236}">
-                <a16:creationId xmlns:a16="http://schemas.microsoft.com/office/drawing/2014/main" id="{9FFC8AD4-9371-4E6E-885E-15C2591D9B1A}"/>
+                <a16:creationId xmlns:a16="http://schemas.microsoft.com/office/drawing/2014/main" id="{CCB10376-1596-4BD3-9F99-5729E2D2DAF5}"/>
               </a:ext>
             </a:extLst>
           </p:cNvPr>
@@ -6096,8 +6096,8 @@
         </p:blipFill>
         <p:spPr>
           <a:xfrm>
-            <a:off x="1472883" y="3222009"/>
-            <a:ext cx="3766684" cy="1963295"/>
+            <a:off x="6557701" y="3429000"/>
+            <a:ext cx="3763653" cy="2489228"/>
           </a:xfrm>
           <a:prstGeom prst="rect">
             <a:avLst/>
@@ -6249,7 +6249,7 @@
               <a:rPr lang="en-US" sz="2000" dirty="0">
                 <a:latin typeface="Montserrat" panose="00000500000000000000" pitchFamily="50" charset="0"/>
               </a:rPr>
-              <a:t>7. Mocking global objects – Bilingual.spec.js</a:t>
+              <a:t>7. Mocking global objects – FormSubmitter.spec.js</a:t>
             </a:r>
           </a:p>
           <a:p>
@@ -6281,13 +6281,13 @@
               <a:rPr lang="en-US" sz="2000" dirty="0" err="1">
                 <a:latin typeface="Montserrat" panose="00000500000000000000" pitchFamily="50" charset="0"/>
               </a:rPr>
-              <a:t>VueX</a:t>
+              <a:t>Vuex</a:t>
             </a:r>
             <a:r>
               <a:rPr lang="en-US" sz="2000" dirty="0">
                 <a:latin typeface="Montserrat" panose="00000500000000000000" pitchFamily="50" charset="0"/>
               </a:rPr>
-              <a:t> – Explore it yourself</a:t>
+              <a:t> – Feel free to explore yourself</a:t>
             </a:r>
           </a:p>
         </p:txBody>

--- a/Unit Testing.pptx
+++ b/Unit Testing.pptx
@@ -5399,7 +5399,7 @@
         <p:spPr>
           <a:xfrm>
             <a:off x="1059255" y="1397675"/>
-            <a:ext cx="7919614" cy="3366691"/>
+            <a:ext cx="7919614" cy="3782189"/>
           </a:xfrm>
           <a:prstGeom prst="rect">
             <a:avLst/>
@@ -5505,7 +5505,7 @@
                 </a:solidFill>
                 <a:latin typeface="Montserrat" panose="00000500000000000000" pitchFamily="50" charset="0"/>
               </a:rPr>
-              <a:t>Providing comprehensive API to assert Vue (data, props, computed properties, methods, emit, </a:t>
+              <a:t>Providing comprehensive API to interact and assert Vue component (data, props, computed properties, methods, emit, </a:t>
             </a:r>
             <a:r>
               <a:rPr lang="en-US" sz="1800" dirty="0" err="1">
@@ -6249,7 +6249,7 @@
               <a:rPr lang="en-US" sz="2000" dirty="0">
                 <a:latin typeface="Montserrat" panose="00000500000000000000" pitchFamily="50" charset="0"/>
               </a:rPr>
-              <a:t>7. Mocking global objects – FormSubmitter.spec.js</a:t>
+              <a:t>7. Mocking global objects (Injections) – FormSubmitter.spec.js</a:t>
             </a:r>
           </a:p>
           <a:p>
@@ -6640,24 +6640,20 @@
               <a:buNone/>
             </a:pPr>
             <a:r>
-              <a:rPr lang="en-US" sz="6000">
+              <a:rPr lang="en-US" sz="6000" dirty="0">
                 <a:solidFill>
                   <a:srgbClr val="0070C0"/>
                 </a:solidFill>
-                <a:latin typeface="Arial"/>
-                <a:ea typeface="Arial"/>
-                <a:cs typeface="Arial"/>
+                <a:latin typeface="Montserrat" panose="00000500000000000000" pitchFamily="50" charset="0"/>
                 <a:sym typeface="Arial"/>
               </a:rPr>
               <a:t>Thank you!</a:t>
             </a:r>
-            <a:endParaRPr sz="6000">
+            <a:endParaRPr sz="6000" dirty="0">
               <a:solidFill>
                 <a:srgbClr val="0070C0"/>
               </a:solidFill>
-              <a:latin typeface="Arial"/>
-              <a:ea typeface="Arial"/>
-              <a:cs typeface="Arial"/>
+              <a:latin typeface="Montserrat" panose="00000500000000000000" pitchFamily="50" charset="0"/>
               <a:sym typeface="Arial"/>
             </a:endParaRPr>
           </a:p>
@@ -6705,7 +6701,7 @@
               <a:buFont typeface="Arial"/>
               <a:buNone/>
             </a:pPr>
-            <a:endParaRPr sz="2400" b="0" i="0" u="none" strike="noStrike" cap="none">
+            <a:endParaRPr sz="2400" b="0" i="0" u="none" strike="noStrike" cap="none" dirty="0">
               <a:solidFill>
                 <a:srgbClr val="0C0C0C"/>
               </a:solidFill>

--- a/Unit Testing.pptx
+++ b/Unit Testing.pptx
@@ -5,25 +5,28 @@
     <p:sldMasterId id="2147483648" r:id="rId1"/>
   </p:sldMasterIdLst>
   <p:notesMasterIdLst>
-    <p:notesMasterId r:id="rId8"/>
+    <p:notesMasterId r:id="rId11"/>
   </p:notesMasterIdLst>
   <p:sldIdLst>
     <p:sldId id="276" r:id="rId2"/>
-    <p:sldId id="279" r:id="rId3"/>
-    <p:sldId id="284" r:id="rId4"/>
-    <p:sldId id="281" r:id="rId5"/>
-    <p:sldId id="285" r:id="rId6"/>
-    <p:sldId id="265" r:id="rId7"/>
+    <p:sldId id="286" r:id="rId3"/>
+    <p:sldId id="279" r:id="rId4"/>
+    <p:sldId id="284" r:id="rId5"/>
+    <p:sldId id="287" r:id="rId6"/>
+    <p:sldId id="281" r:id="rId7"/>
+    <p:sldId id="288" r:id="rId8"/>
+    <p:sldId id="285" r:id="rId9"/>
+    <p:sldId id="265" r:id="rId10"/>
   </p:sldIdLst>
   <p:sldSz cx="12192000" cy="6858000"/>
   <p:notesSz cx="6858000" cy="9144000"/>
   <p:embeddedFontLst>
     <p:embeddedFont>
       <p:font typeface="Montserrat" panose="00000500000000000000" pitchFamily="50" charset="0"/>
-      <p:regular r:id="rId9"/>
-      <p:bold r:id="rId10"/>
-      <p:italic r:id="rId11"/>
-      <p:boldItalic r:id="rId12"/>
+      <p:regular r:id="rId12"/>
+      <p:bold r:id="rId13"/>
+      <p:italic r:id="rId14"/>
+      <p:boldItalic r:id="rId15"/>
     </p:embeddedFont>
   </p:embeddedFontLst>
   <p:defaultTextStyle>
@@ -271,7 +274,7 @@
       </p15:sldGuideLst>
     </p:ext>
     <p:ext uri="http://customooxmlschemas.google.com/">
-      <go:slidesCustomData xmlns:go="http://customooxmlschemas.google.com/" xmlns:ahyp="http://schemas.microsoft.com/office/drawing/2018/hyperlinkcolor" xmlns:p15="http://schemas.microsoft.com/office/powerpoint/2012/main" xmlns:p14="http://schemas.microsoft.com/office/powerpoint/2010/main" xmlns:com="http://schemas.openxmlformats.org/drawingml/2006/compatibility" xmlns:pvml="urn:schemas-microsoft-com:office:powerpoint" xmlns:v="urn:schemas-microsoft-com:vml" xmlns:o="urn:schemas-microsoft-com:office:office" xmlns:dgm="http://schemas.openxmlformats.org/drawingml/2006/diagram" xmlns:c="http://schemas.openxmlformats.org/drawingml/2006/chart" xmlns:mv="urn:schemas-microsoft-com:mac:vml" xmlns:mc="http://schemas.openxmlformats.org/markup-compatibility/2006" xmlns="" r:id="rId20" roundtripDataSignature="AMtx7mgN2pHcz0kbKW2gg3/U/JywYSg5Hg=="/>
+      <go:slidesCustomData xmlns="" xmlns:mc="http://schemas.openxmlformats.org/markup-compatibility/2006" xmlns:mv="urn:schemas-microsoft-com:mac:vml" xmlns:c="http://schemas.openxmlformats.org/drawingml/2006/chart" xmlns:dgm="http://schemas.openxmlformats.org/drawingml/2006/diagram" xmlns:o="urn:schemas-microsoft-com:office:office" xmlns:v="urn:schemas-microsoft-com:vml" xmlns:pvml="urn:schemas-microsoft-com:office:powerpoint" xmlns:com="http://schemas.openxmlformats.org/drawingml/2006/compatibility" xmlns:p14="http://schemas.microsoft.com/office/powerpoint/2010/main" xmlns:p15="http://schemas.microsoft.com/office/powerpoint/2012/main" xmlns:ahyp="http://schemas.microsoft.com/office/drawing/2018/hyperlinkcolor" xmlns:go="http://customooxmlschemas.google.com/" r:id="rId20" roundtripDataSignature="AMtx7mgN2pHcz0kbKW2gg3/U/JywYSg5Hg=="/>
     </p:ext>
   </p:extLst>
 </p:presentation>
@@ -1779,18 +1782,6 @@
           <a:bodyPr/>
           <a:lstStyle/>
           <a:p>
-            <a:r>
-              <a:rPr lang="en-US" dirty="0"/>
-              <a:t>- Jest is open source and maintained by Facebook</a:t>
-            </a:r>
-          </a:p>
-          <a:p>
-            <a:r>
-              <a:rPr lang="en-US" dirty="0"/>
-              <a:t>- Vue Test Utils: Vue team</a:t>
-            </a:r>
-          </a:p>
-          <a:p>
             <a:endParaRPr lang="en-US" dirty="0"/>
           </a:p>
         </p:txBody>
@@ -1865,6 +1856,240 @@
 </file>
 
 <file path=ppt/notesSlides/notesSlide2.xml><?xml version="1.0" encoding="utf-8"?>
+<p:notes xmlns:a="http://schemas.openxmlformats.org/drawingml/2006/main" xmlns:r="http://schemas.openxmlformats.org/officeDocument/2006/relationships" xmlns:p="http://schemas.openxmlformats.org/presentationml/2006/main">
+  <p:cSld>
+    <p:spTree>
+      <p:nvGrpSpPr>
+        <p:cNvPr id="1" name=""/>
+        <p:cNvGrpSpPr/>
+        <p:nvPr/>
+      </p:nvGrpSpPr>
+      <p:grpSpPr>
+        <a:xfrm>
+          <a:off x="0" y="0"/>
+          <a:ext cx="0" cy="0"/>
+          <a:chOff x="0" y="0"/>
+          <a:chExt cx="0" cy="0"/>
+        </a:xfrm>
+      </p:grpSpPr>
+      <p:sp>
+        <p:nvSpPr>
+          <p:cNvPr id="2" name="Slide Image Placeholder 1"/>
+          <p:cNvSpPr>
+            <a:spLocks noGrp="1" noRot="1" noChangeAspect="1"/>
+          </p:cNvSpPr>
+          <p:nvPr>
+            <p:ph type="sldImg"/>
+          </p:nvPr>
+        </p:nvSpPr>
+        <p:spPr/>
+      </p:sp>
+      <p:sp>
+        <p:nvSpPr>
+          <p:cNvPr id="3" name="Notes Placeholder 2"/>
+          <p:cNvSpPr>
+            <a:spLocks noGrp="1"/>
+          </p:cNvSpPr>
+          <p:nvPr>
+            <p:ph type="body" idx="1"/>
+          </p:nvPr>
+        </p:nvSpPr>
+        <p:spPr/>
+        <p:txBody>
+          <a:bodyPr/>
+          <a:lstStyle/>
+          <a:p>
+            <a:endParaRPr lang="en-US" dirty="0"/>
+          </a:p>
+        </p:txBody>
+      </p:sp>
+      <p:sp>
+        <p:nvSpPr>
+          <p:cNvPr id="4" name="Slide Number Placeholder 3"/>
+          <p:cNvSpPr>
+            <a:spLocks noGrp="1"/>
+          </p:cNvSpPr>
+          <p:nvPr>
+            <p:ph type="sldNum" idx="12"/>
+          </p:nvPr>
+        </p:nvSpPr>
+        <p:spPr/>
+        <p:txBody>
+          <a:bodyPr/>
+          <a:lstStyle/>
+          <a:p>
+            <a:pPr marL="0" marR="0" lvl="0" indent="0" algn="r" rtl="0">
+              <a:lnSpc>
+                <a:spcPct val="100000"/>
+              </a:lnSpc>
+              <a:spcBef>
+                <a:spcPts val="0"/>
+              </a:spcBef>
+              <a:spcAft>
+                <a:spcPts val="0"/>
+              </a:spcAft>
+              <a:buClr>
+                <a:srgbClr val="000000"/>
+              </a:buClr>
+              <a:buSzPts val="1200"/>
+              <a:buFont typeface="Arial"/>
+              <a:buNone/>
+            </a:pPr>
+            <a:fld id="{00000000-1234-1234-1234-123412341234}" type="slidenum">
+              <a:rPr lang="en-US" sz="1200" b="0" i="0" u="none" strike="noStrike" cap="none" smtClean="0">
+                <a:solidFill>
+                  <a:schemeClr val="dk1"/>
+                </a:solidFill>
+                <a:latin typeface="Arial"/>
+                <a:ea typeface="Arial"/>
+                <a:cs typeface="Arial"/>
+                <a:sym typeface="Arial"/>
+              </a:rPr>
+              <a:t>2</a:t>
+            </a:fld>
+            <a:endParaRPr lang="en-US" sz="1200" b="0" i="0" u="none" strike="noStrike" cap="none">
+              <a:solidFill>
+                <a:schemeClr val="dk1"/>
+              </a:solidFill>
+              <a:latin typeface="Arial"/>
+              <a:ea typeface="Arial"/>
+              <a:cs typeface="Arial"/>
+              <a:sym typeface="Arial"/>
+            </a:endParaRPr>
+          </a:p>
+        </p:txBody>
+      </p:sp>
+    </p:spTree>
+    <p:extLst>
+      <p:ext uri="{BB962C8B-B14F-4D97-AF65-F5344CB8AC3E}">
+        <p14:creationId xmlns:p14="http://schemas.microsoft.com/office/powerpoint/2010/main" val="846778966"/>
+      </p:ext>
+    </p:extLst>
+  </p:cSld>
+  <p:clrMapOvr>
+    <a:masterClrMapping/>
+  </p:clrMapOvr>
+</p:notes>
+</file>
+
+<file path=ppt/notesSlides/notesSlide3.xml><?xml version="1.0" encoding="utf-8"?>
+<p:notes xmlns:a="http://schemas.openxmlformats.org/drawingml/2006/main" xmlns:r="http://schemas.openxmlformats.org/officeDocument/2006/relationships" xmlns:p="http://schemas.openxmlformats.org/presentationml/2006/main">
+  <p:cSld>
+    <p:spTree>
+      <p:nvGrpSpPr>
+        <p:cNvPr id="1" name=""/>
+        <p:cNvGrpSpPr/>
+        <p:nvPr/>
+      </p:nvGrpSpPr>
+      <p:grpSpPr>
+        <a:xfrm>
+          <a:off x="0" y="0"/>
+          <a:ext cx="0" cy="0"/>
+          <a:chOff x="0" y="0"/>
+          <a:chExt cx="0" cy="0"/>
+        </a:xfrm>
+      </p:grpSpPr>
+      <p:sp>
+        <p:nvSpPr>
+          <p:cNvPr id="2" name="Slide Image Placeholder 1"/>
+          <p:cNvSpPr>
+            <a:spLocks noGrp="1" noRot="1" noChangeAspect="1"/>
+          </p:cNvSpPr>
+          <p:nvPr>
+            <p:ph type="sldImg"/>
+          </p:nvPr>
+        </p:nvSpPr>
+        <p:spPr/>
+      </p:sp>
+      <p:sp>
+        <p:nvSpPr>
+          <p:cNvPr id="3" name="Notes Placeholder 2"/>
+          <p:cNvSpPr>
+            <a:spLocks noGrp="1"/>
+          </p:cNvSpPr>
+          <p:nvPr>
+            <p:ph type="body" idx="1"/>
+          </p:nvPr>
+        </p:nvSpPr>
+        <p:spPr/>
+        <p:txBody>
+          <a:bodyPr/>
+          <a:lstStyle/>
+          <a:p>
+            <a:endParaRPr lang="en-US" dirty="0"/>
+          </a:p>
+        </p:txBody>
+      </p:sp>
+      <p:sp>
+        <p:nvSpPr>
+          <p:cNvPr id="4" name="Slide Number Placeholder 3"/>
+          <p:cNvSpPr>
+            <a:spLocks noGrp="1"/>
+          </p:cNvSpPr>
+          <p:nvPr>
+            <p:ph type="sldNum" idx="12"/>
+          </p:nvPr>
+        </p:nvSpPr>
+        <p:spPr/>
+        <p:txBody>
+          <a:bodyPr/>
+          <a:lstStyle/>
+          <a:p>
+            <a:pPr marL="0" marR="0" lvl="0" indent="0" algn="r" rtl="0">
+              <a:lnSpc>
+                <a:spcPct val="100000"/>
+              </a:lnSpc>
+              <a:spcBef>
+                <a:spcPts val="0"/>
+              </a:spcBef>
+              <a:spcAft>
+                <a:spcPts val="0"/>
+              </a:spcAft>
+              <a:buClr>
+                <a:srgbClr val="000000"/>
+              </a:buClr>
+              <a:buSzPts val="1200"/>
+              <a:buFont typeface="Arial"/>
+              <a:buNone/>
+            </a:pPr>
+            <a:fld id="{00000000-1234-1234-1234-123412341234}" type="slidenum">
+              <a:rPr lang="en-US" sz="1200" b="0" i="0" u="none" strike="noStrike" cap="none" smtClean="0">
+                <a:solidFill>
+                  <a:schemeClr val="dk1"/>
+                </a:solidFill>
+                <a:latin typeface="Arial"/>
+                <a:ea typeface="Arial"/>
+                <a:cs typeface="Arial"/>
+                <a:sym typeface="Arial"/>
+              </a:rPr>
+              <a:t>8</a:t>
+            </a:fld>
+            <a:endParaRPr lang="en-US" sz="1200" b="0" i="0" u="none" strike="noStrike" cap="none">
+              <a:solidFill>
+                <a:schemeClr val="dk1"/>
+              </a:solidFill>
+              <a:latin typeface="Arial"/>
+              <a:ea typeface="Arial"/>
+              <a:cs typeface="Arial"/>
+              <a:sym typeface="Arial"/>
+            </a:endParaRPr>
+          </a:p>
+        </p:txBody>
+      </p:sp>
+    </p:spTree>
+    <p:extLst>
+      <p:ext uri="{BB962C8B-B14F-4D97-AF65-F5344CB8AC3E}">
+        <p14:creationId xmlns:p14="http://schemas.microsoft.com/office/powerpoint/2010/main" val="647504351"/>
+      </p:ext>
+    </p:extLst>
+  </p:cSld>
+  <p:clrMapOvr>
+    <a:masterClrMapping/>
+  </p:clrMapOvr>
+</p:notes>
+</file>
+
+<file path=ppt/notesSlides/notesSlide4.xml><?xml version="1.0" encoding="utf-8"?>
 <p:notes xmlns:a="http://schemas.openxmlformats.org/drawingml/2006/main" xmlns:r="http://schemas.openxmlformats.org/officeDocument/2006/relationships" xmlns:p="http://schemas.openxmlformats.org/presentationml/2006/main" showMasterSp="0" showMasterPhAnim="0">
   <p:cSld>
     <p:spTree>
@@ -5368,6 +5593,73 @@
             <p:ph type="body" sz="quarter" idx="10"/>
           </p:nvPr>
         </p:nvSpPr>
+        <p:spPr>
+          <a:xfrm>
+            <a:off x="-153908" y="2455163"/>
+            <a:ext cx="12192000" cy="768085"/>
+          </a:xfrm>
+        </p:spPr>
+        <p:txBody>
+          <a:bodyPr>
+            <a:normAutofit fontScale="92500" lnSpcReduction="10000"/>
+          </a:bodyPr>
+          <a:lstStyle/>
+          <a:p>
+            <a:r>
+              <a:rPr lang="en-US" b="1" dirty="0">
+                <a:latin typeface="Montserrat" panose="00000500000000000000" pitchFamily="50" charset="0"/>
+              </a:rPr>
+              <a:t>Unit Testing - MyYear13</a:t>
+            </a:r>
+          </a:p>
+        </p:txBody>
+      </p:sp>
+    </p:spTree>
+    <p:extLst>
+      <p:ext uri="{BB962C8B-B14F-4D97-AF65-F5344CB8AC3E}">
+        <p14:creationId xmlns:p14="http://schemas.microsoft.com/office/powerpoint/2010/main" val="2623374918"/>
+      </p:ext>
+    </p:extLst>
+  </p:cSld>
+  <p:clrMapOvr>
+    <a:masterClrMapping/>
+  </p:clrMapOvr>
+</p:sld>
+</file>
+
+<file path=ppt/slides/slide2.xml><?xml version="1.0" encoding="utf-8"?>
+<p:sld xmlns:a="http://schemas.openxmlformats.org/drawingml/2006/main" xmlns:r="http://schemas.openxmlformats.org/officeDocument/2006/relationships" xmlns:p="http://schemas.openxmlformats.org/presentationml/2006/main">
+  <p:cSld>
+    <p:spTree>
+      <p:nvGrpSpPr>
+        <p:cNvPr id="1" name=""/>
+        <p:cNvGrpSpPr/>
+        <p:nvPr/>
+      </p:nvGrpSpPr>
+      <p:grpSpPr>
+        <a:xfrm>
+          <a:off x="0" y="0"/>
+          <a:ext cx="0" cy="0"/>
+          <a:chOff x="0" y="0"/>
+          <a:chExt cx="0" cy="0"/>
+        </a:xfrm>
+      </p:grpSpPr>
+      <p:sp>
+        <p:nvSpPr>
+          <p:cNvPr id="2" name="Text Placeholder 1">
+            <a:extLst>
+              <a:ext uri="{FF2B5EF4-FFF2-40B4-BE49-F238E27FC236}">
+                <a16:creationId xmlns:a16="http://schemas.microsoft.com/office/drawing/2014/main" id="{051B1FE4-AB66-438E-A386-A5C8096AA697}"/>
+              </a:ext>
+            </a:extLst>
+          </p:cNvPr>
+          <p:cNvSpPr>
+            <a:spLocks noGrp="1"/>
+          </p:cNvSpPr>
+          <p:nvPr>
+            <p:ph type="body" sz="quarter" idx="10"/>
+          </p:nvPr>
+        </p:nvSpPr>
         <p:spPr/>
         <p:txBody>
           <a:bodyPr>
@@ -5399,7 +5691,7 @@
         <p:spPr>
           <a:xfrm>
             <a:off x="1059255" y="1397675"/>
-            <a:ext cx="7919614" cy="3782189"/>
+            <a:ext cx="7919614" cy="3366691"/>
           </a:xfrm>
           <a:prstGeom prst="rect">
             <a:avLst/>
@@ -5505,25 +5797,7 @@
                 </a:solidFill>
                 <a:latin typeface="Montserrat" panose="00000500000000000000" pitchFamily="50" charset="0"/>
               </a:rPr>
-              <a:t>Providing comprehensive API to interact and assert Vue component (data, props, computed properties, methods, emit, </a:t>
-            </a:r>
-            <a:r>
-              <a:rPr lang="en-US" sz="1800" dirty="0" err="1">
-                <a:solidFill>
-                  <a:schemeClr val="tx1"/>
-                </a:solidFill>
-                <a:latin typeface="Montserrat" panose="00000500000000000000" pitchFamily="50" charset="0"/>
-              </a:rPr>
-              <a:t>Vuex</a:t>
-            </a:r>
-            <a:r>
-              <a:rPr lang="en-US" sz="1800" dirty="0">
-                <a:solidFill>
-                  <a:schemeClr val="tx1"/>
-                </a:solidFill>
-                <a:latin typeface="Montserrat" panose="00000500000000000000" pitchFamily="50" charset="0"/>
-              </a:rPr>
-              <a:t>…)</a:t>
+              <a:t>Providing comprehensive API to assert Vue (data, props, computed properties, methods, emit, Vuex…)</a:t>
             </a:r>
           </a:p>
           <a:p>
@@ -5661,7 +5935,7 @@
     </p:spTree>
     <p:extLst>
       <p:ext uri="{BB962C8B-B14F-4D97-AF65-F5344CB8AC3E}">
-        <p14:creationId xmlns:p14="http://schemas.microsoft.com/office/powerpoint/2010/main" val="2623374918"/>
+        <p14:creationId xmlns:p14="http://schemas.microsoft.com/office/powerpoint/2010/main" val="1870017884"/>
       </p:ext>
     </p:extLst>
   </p:cSld>
@@ -5671,7 +5945,7 @@
 </p:sld>
 </file>
 
-<file path=ppt/slides/slide2.xml><?xml version="1.0" encoding="utf-8"?>
+<file path=ppt/slides/slide3.xml><?xml version="1.0" encoding="utf-8"?>
 <p:sld xmlns:a="http://schemas.openxmlformats.org/drawingml/2006/main" xmlns:r="http://schemas.openxmlformats.org/officeDocument/2006/relationships" xmlns:p="http://schemas.openxmlformats.org/presentationml/2006/main">
   <p:cSld>
     <p:spTree>
@@ -5735,7 +6009,7 @@
         <p:spPr>
           <a:xfrm>
             <a:off x="1195056" y="1936284"/>
-            <a:ext cx="8329189" cy="2554545"/>
+            <a:ext cx="8329189" cy="3016210"/>
           </a:xfrm>
           <a:prstGeom prst="rect">
             <a:avLst/>
@@ -5752,7 +6026,7 @@
               <a:rPr lang="en-US" sz="2000" dirty="0">
                 <a:latin typeface="Montserrat" panose="00000500000000000000" pitchFamily="50" charset="0"/>
               </a:rPr>
-              <a:t>The three steps of Unit Testing:</a:t>
+              <a:t>Unit Testing steps:</a:t>
             </a:r>
           </a:p>
           <a:p>
@@ -5771,8 +6045,39 @@
                 <a:effectLst/>
                 <a:latin typeface="Montserrat" panose="00000500000000000000" pitchFamily="50" charset="0"/>
               </a:rPr>
-              <a:t>arrange (set up for the test. In our case, we render the component).</a:t>
+              <a:t>Create a tes</a:t>
             </a:r>
+            <a:r>
+              <a:rPr lang="en-US" sz="2000" dirty="0">
+                <a:solidFill>
+                  <a:schemeClr val="tx1"/>
+                </a:solidFill>
+                <a:latin typeface="Montserrat" panose="00000500000000000000" pitchFamily="50" charset="0"/>
+              </a:rPr>
+              <a:t>t suite (a block of tests) </a:t>
+            </a:r>
+            <a:r>
+              <a:rPr lang="en-US" sz="2000" dirty="0">
+                <a:solidFill>
+                  <a:schemeClr val="bg1"/>
+                </a:solidFill>
+                <a:highlight>
+                  <a:srgbClr val="339966"/>
+                </a:highlight>
+                <a:latin typeface="Montserrat" panose="00000500000000000000" pitchFamily="50" charset="0"/>
+              </a:rPr>
+              <a:t>describe(…)</a:t>
+            </a:r>
+            <a:endParaRPr lang="en-US" sz="2000" b="0" i="0" dirty="0">
+              <a:solidFill>
+                <a:schemeClr val="bg1"/>
+              </a:solidFill>
+              <a:effectLst/>
+              <a:highlight>
+                <a:srgbClr val="339966"/>
+              </a:highlight>
+              <a:latin typeface="Montserrat" panose="00000500000000000000" pitchFamily="50" charset="0"/>
+            </a:endParaRPr>
           </a:p>
           <a:p>
             <a:pPr marL="457200" indent="-457200" algn="l">
@@ -5790,7 +6095,20 @@
                 <a:effectLst/>
                 <a:latin typeface="Montserrat" panose="00000500000000000000" pitchFamily="50" charset="0"/>
               </a:rPr>
-              <a:t>act (execute actions on the system)</a:t>
+              <a:t>Set up your test(s) </a:t>
+            </a:r>
+            <a:r>
+              <a:rPr lang="en-US" sz="2000" b="0" i="0" dirty="0">
+                <a:solidFill>
+                  <a:schemeClr val="bg1"/>
+                </a:solidFill>
+                <a:effectLst/>
+                <a:highlight>
+                  <a:srgbClr val="339966"/>
+                </a:highlight>
+                <a:latin typeface="Montserrat" panose="00000500000000000000" pitchFamily="50" charset="0"/>
+              </a:rPr>
+              <a:t>test(…) or it(…)</a:t>
             </a:r>
           </a:p>
           <a:p>
@@ -5809,14 +6127,89 @@
                 <a:effectLst/>
                 <a:latin typeface="Montserrat" panose="00000500000000000000" pitchFamily="50" charset="0"/>
               </a:rPr>
-              <a:t>assert (ensure the actual result matches your expectations)</a:t>
+              <a:t>Mount the component with </a:t>
             </a:r>
-            <a:endParaRPr lang="en-US" sz="2000" dirty="0">
-              <a:solidFill>
-                <a:schemeClr val="tx1"/>
-              </a:solidFill>
-              <a:latin typeface="Montserrat" panose="00000500000000000000" pitchFamily="50" charset="0"/>
-            </a:endParaRPr>
+            <a:r>
+              <a:rPr lang="en-US" sz="2000" b="0" i="0" dirty="0" err="1">
+                <a:solidFill>
+                  <a:schemeClr val="tx1"/>
+                </a:solidFill>
+                <a:effectLst/>
+                <a:latin typeface="Montserrat" panose="00000500000000000000" pitchFamily="50" charset="0"/>
+              </a:rPr>
+              <a:t>vue</a:t>
+            </a:r>
+            <a:r>
+              <a:rPr lang="en-US" sz="2000" b="0" i="0" dirty="0">
+                <a:solidFill>
+                  <a:schemeClr val="tx1"/>
+                </a:solidFill>
+                <a:effectLst/>
+                <a:latin typeface="Montserrat" panose="00000500000000000000" pitchFamily="50" charset="0"/>
+              </a:rPr>
+              <a:t>-test-utils </a:t>
+            </a:r>
+            <a:r>
+              <a:rPr lang="en-US" sz="2000" b="0" i="0" dirty="0">
+                <a:solidFill>
+                  <a:schemeClr val="bg1"/>
+                </a:solidFill>
+                <a:effectLst/>
+                <a:highlight>
+                  <a:srgbClr val="339966"/>
+                </a:highlight>
+                <a:latin typeface="Montserrat" panose="00000500000000000000" pitchFamily="50" charset="0"/>
+              </a:rPr>
+              <a:t>mount(…)</a:t>
+            </a:r>
+          </a:p>
+          <a:p>
+            <a:pPr marL="457200" indent="-457200" algn="l">
+              <a:lnSpc>
+                <a:spcPct val="150000"/>
+              </a:lnSpc>
+              <a:buFont typeface="+mj-lt"/>
+              <a:buAutoNum type="arabicPeriod"/>
+            </a:pPr>
+            <a:r>
+              <a:rPr lang="en-US" sz="2000" dirty="0">
+                <a:solidFill>
+                  <a:schemeClr val="tx1"/>
+                </a:solidFill>
+                <a:latin typeface="Montserrat" panose="00000500000000000000" pitchFamily="50" charset="0"/>
+              </a:rPr>
+              <a:t>Set data, props…if necessary</a:t>
+            </a:r>
+          </a:p>
+          <a:p>
+            <a:pPr marL="457200" indent="-457200" algn="l">
+              <a:lnSpc>
+                <a:spcPct val="150000"/>
+              </a:lnSpc>
+              <a:buFont typeface="+mj-lt"/>
+              <a:buAutoNum type="arabicPeriod"/>
+            </a:pPr>
+            <a:r>
+              <a:rPr lang="en-US" sz="2000" dirty="0">
+                <a:solidFill>
+                  <a:schemeClr val="tx1"/>
+                </a:solidFill>
+                <a:latin typeface="Montserrat" panose="00000500000000000000" pitchFamily="50" charset="0"/>
+              </a:rPr>
+              <a:t>Assert what the result should be </a:t>
+            </a:r>
+            <a:r>
+              <a:rPr lang="en-US" sz="2000" dirty="0">
+                <a:solidFill>
+                  <a:schemeClr val="bg1"/>
+                </a:solidFill>
+                <a:highlight>
+                  <a:srgbClr val="339966"/>
+                </a:highlight>
+                <a:latin typeface="Montserrat" panose="00000500000000000000" pitchFamily="50" charset="0"/>
+              </a:rPr>
+              <a:t>expect(…)</a:t>
+            </a:r>
           </a:p>
           <a:p>
             <a:endParaRPr lang="en-US" sz="2000" dirty="0">
@@ -5838,7 +6231,7 @@
 </p:sld>
 </file>
 
-<file path=ppt/slides/slide3.xml><?xml version="1.0" encoding="utf-8"?>
+<file path=ppt/slides/slide4.xml><?xml version="1.0" encoding="utf-8"?>
 <p:sld xmlns:a="http://schemas.openxmlformats.org/drawingml/2006/main" xmlns:r="http://schemas.openxmlformats.org/officeDocument/2006/relationships" xmlns:p="http://schemas.openxmlformats.org/presentationml/2006/main">
   <p:cSld>
     <p:spTree>
@@ -5894,10 +6287,289 @@
       </p:sp>
       <p:pic>
         <p:nvPicPr>
+          <p:cNvPr id="9" name="Picture 8">
+            <a:extLst>
+              <a:ext uri="{FF2B5EF4-FFF2-40B4-BE49-F238E27FC236}">
+                <a16:creationId xmlns:a16="http://schemas.microsoft.com/office/drawing/2014/main" id="{7A5D15A4-B0F4-40BA-BBE9-A2DCFD09EB78}"/>
+              </a:ext>
+            </a:extLst>
+          </p:cNvPr>
+          <p:cNvPicPr>
+            <a:picLocks noChangeAspect="1"/>
+          </p:cNvPicPr>
+          <p:nvPr/>
+        </p:nvPicPr>
+        <p:blipFill rotWithShape="1">
+          <a:blip r:embed="rId2"/>
+          <a:srcRect t="16549" b="18166"/>
+          <a:stretch/>
+        </p:blipFill>
+        <p:spPr>
+          <a:xfrm>
+            <a:off x="1191740" y="1149017"/>
+            <a:ext cx="4328971" cy="2026701"/>
+          </a:xfrm>
+          <a:prstGeom prst="rect">
+            <a:avLst/>
+          </a:prstGeom>
+        </p:spPr>
+      </p:pic>
+      <p:pic>
+        <p:nvPicPr>
+          <p:cNvPr id="15" name="Picture 14">
+            <a:extLst>
+              <a:ext uri="{FF2B5EF4-FFF2-40B4-BE49-F238E27FC236}">
+                <a16:creationId xmlns:a16="http://schemas.microsoft.com/office/drawing/2014/main" id="{A63A5A4A-5B3B-4BF6-8D78-EE81996A1C84}"/>
+              </a:ext>
+            </a:extLst>
+          </p:cNvPr>
+          <p:cNvPicPr>
+            <a:picLocks noChangeAspect="1"/>
+          </p:cNvPicPr>
+          <p:nvPr/>
+        </p:nvPicPr>
+        <p:blipFill rotWithShape="1">
+          <a:blip r:embed="rId3"/>
+          <a:srcRect t="16937" b="16248"/>
+          <a:stretch/>
+        </p:blipFill>
+        <p:spPr>
+          <a:xfrm>
+            <a:off x="6275225" y="1139714"/>
+            <a:ext cx="4240338" cy="2082295"/>
+          </a:xfrm>
+          <a:prstGeom prst="rect">
+            <a:avLst/>
+          </a:prstGeom>
+        </p:spPr>
+      </p:pic>
+      <p:pic>
+        <p:nvPicPr>
           <p:cNvPr id="1026" name="Picture 2" descr="Check  free icon">
             <a:extLst>
               <a:ext uri="{FF2B5EF4-FFF2-40B4-BE49-F238E27FC236}">
                 <a16:creationId xmlns:a16="http://schemas.microsoft.com/office/drawing/2014/main" id="{8E71B541-E684-4500-A798-C7320EC75989}"/>
+              </a:ext>
+            </a:extLst>
+          </p:cNvPr>
+          <p:cNvPicPr>
+            <a:picLocks noChangeAspect="1" noChangeArrowheads="1"/>
+          </p:cNvPicPr>
+          <p:nvPr/>
+        </p:nvPicPr>
+        <p:blipFill>
+          <a:blip r:embed="rId4">
+            <a:extLst>
+              <a:ext uri="{28A0092B-C50C-407E-A947-70E740481C1C}">
+                <a14:useLocalDpi xmlns:a14="http://schemas.microsoft.com/office/drawing/2010/main" val="0"/>
+              </a:ext>
+            </a:extLst>
+          </a:blip>
+          <a:srcRect/>
+          <a:stretch>
+            <a:fillRect/>
+          </a:stretch>
+        </p:blipFill>
+        <p:spPr bwMode="auto">
+          <a:xfrm>
+            <a:off x="3118194" y="5987951"/>
+            <a:ext cx="476062" cy="476062"/>
+          </a:xfrm>
+          <a:prstGeom prst="rect">
+            <a:avLst/>
+          </a:prstGeom>
+          <a:noFill/>
+          <a:extLst>
+            <a:ext uri="{909E8E84-426E-40DD-AFC4-6F175D3DCCD1}">
+              <a14:hiddenFill xmlns:a14="http://schemas.microsoft.com/office/drawing/2010/main">
+                <a:solidFill>
+                  <a:srgbClr val="FFFFFF"/>
+                </a:solidFill>
+              </a14:hiddenFill>
+            </a:ext>
+          </a:extLst>
+        </p:spPr>
+      </p:pic>
+      <p:pic>
+        <p:nvPicPr>
+          <p:cNvPr id="1028" name="Picture 4" descr="Cancel  free icon">
+            <a:extLst>
+              <a:ext uri="{FF2B5EF4-FFF2-40B4-BE49-F238E27FC236}">
+                <a16:creationId xmlns:a16="http://schemas.microsoft.com/office/drawing/2014/main" id="{109C562D-28D8-479E-8F71-3638BC480BAD}"/>
+              </a:ext>
+            </a:extLst>
+          </p:cNvPr>
+          <p:cNvPicPr>
+            <a:picLocks noChangeAspect="1" noChangeArrowheads="1"/>
+          </p:cNvPicPr>
+          <p:nvPr/>
+        </p:nvPicPr>
+        <p:blipFill>
+          <a:blip r:embed="rId5">
+            <a:extLst>
+              <a:ext uri="{28A0092B-C50C-407E-A947-70E740481C1C}">
+                <a14:useLocalDpi xmlns:a14="http://schemas.microsoft.com/office/drawing/2010/main" val="0"/>
+              </a:ext>
+            </a:extLst>
+          </a:blip>
+          <a:srcRect/>
+          <a:stretch>
+            <a:fillRect/>
+          </a:stretch>
+        </p:blipFill>
+        <p:spPr bwMode="auto">
+          <a:xfrm>
+            <a:off x="8424175" y="6052904"/>
+            <a:ext cx="476062" cy="476062"/>
+          </a:xfrm>
+          <a:prstGeom prst="rect">
+            <a:avLst/>
+          </a:prstGeom>
+          <a:noFill/>
+          <a:extLst>
+            <a:ext uri="{909E8E84-426E-40DD-AFC4-6F175D3DCCD1}">
+              <a14:hiddenFill xmlns:a14="http://schemas.microsoft.com/office/drawing/2010/main">
+                <a:solidFill>
+                  <a:srgbClr val="FFFFFF"/>
+                </a:solidFill>
+              </a14:hiddenFill>
+            </a:ext>
+          </a:extLst>
+        </p:spPr>
+      </p:pic>
+      <p:pic>
+        <p:nvPicPr>
+          <p:cNvPr id="19" name="Picture 18">
+            <a:extLst>
+              <a:ext uri="{FF2B5EF4-FFF2-40B4-BE49-F238E27FC236}">
+                <a16:creationId xmlns:a16="http://schemas.microsoft.com/office/drawing/2014/main" id="{8B7C0D06-6379-436B-BD77-C282F73E1780}"/>
+              </a:ext>
+            </a:extLst>
+          </p:cNvPr>
+          <p:cNvPicPr>
+            <a:picLocks noChangeAspect="1"/>
+          </p:cNvPicPr>
+          <p:nvPr/>
+        </p:nvPicPr>
+        <p:blipFill>
+          <a:blip r:embed="rId6"/>
+          <a:stretch>
+            <a:fillRect/>
+          </a:stretch>
+        </p:blipFill>
+        <p:spPr>
+          <a:xfrm>
+            <a:off x="6490411" y="3188167"/>
+            <a:ext cx="4343590" cy="2799784"/>
+          </a:xfrm>
+          <a:prstGeom prst="rect">
+            <a:avLst/>
+          </a:prstGeom>
+        </p:spPr>
+      </p:pic>
+      <p:pic>
+        <p:nvPicPr>
+          <p:cNvPr id="23" name="Picture 22">
+            <a:extLst>
+              <a:ext uri="{FF2B5EF4-FFF2-40B4-BE49-F238E27FC236}">
+                <a16:creationId xmlns:a16="http://schemas.microsoft.com/office/drawing/2014/main" id="{9FFC8AD4-9371-4E6E-885E-15C2591D9B1A}"/>
+              </a:ext>
+            </a:extLst>
+          </p:cNvPr>
+          <p:cNvPicPr>
+            <a:picLocks noChangeAspect="1"/>
+          </p:cNvPicPr>
+          <p:nvPr/>
+        </p:nvPicPr>
+        <p:blipFill>
+          <a:blip r:embed="rId7"/>
+          <a:stretch>
+            <a:fillRect/>
+          </a:stretch>
+        </p:blipFill>
+        <p:spPr>
+          <a:xfrm>
+            <a:off x="1472883" y="3222009"/>
+            <a:ext cx="3766684" cy="1963295"/>
+          </a:xfrm>
+          <a:prstGeom prst="rect">
+            <a:avLst/>
+          </a:prstGeom>
+        </p:spPr>
+      </p:pic>
+    </p:spTree>
+    <p:extLst>
+      <p:ext uri="{BB962C8B-B14F-4D97-AF65-F5344CB8AC3E}">
+        <p14:creationId xmlns:p14="http://schemas.microsoft.com/office/powerpoint/2010/main" val="2762288775"/>
+      </p:ext>
+    </p:extLst>
+  </p:cSld>
+  <p:clrMapOvr>
+    <a:masterClrMapping/>
+  </p:clrMapOvr>
+</p:sld>
+</file>
+
+<file path=ppt/slides/slide5.xml><?xml version="1.0" encoding="utf-8"?>
+<p:sld xmlns:a="http://schemas.openxmlformats.org/drawingml/2006/main" xmlns:r="http://schemas.openxmlformats.org/officeDocument/2006/relationships" xmlns:p="http://schemas.openxmlformats.org/presentationml/2006/main">
+  <p:cSld>
+    <p:spTree>
+      <p:nvGrpSpPr>
+        <p:cNvPr id="1" name=""/>
+        <p:cNvGrpSpPr/>
+        <p:nvPr/>
+      </p:nvGrpSpPr>
+      <p:grpSpPr>
+        <a:xfrm>
+          <a:off x="0" y="0"/>
+          <a:ext cx="0" cy="0"/>
+          <a:chOff x="0" y="0"/>
+          <a:chExt cx="0" cy="0"/>
+        </a:xfrm>
+      </p:grpSpPr>
+      <p:sp>
+        <p:nvSpPr>
+          <p:cNvPr id="3" name="Text Placeholder 1">
+            <a:extLst>
+              <a:ext uri="{FF2B5EF4-FFF2-40B4-BE49-F238E27FC236}">
+                <a16:creationId xmlns:a16="http://schemas.microsoft.com/office/drawing/2014/main" id="{156614DF-E018-4302-8107-5B102B9E7D09}"/>
+              </a:ext>
+            </a:extLst>
+          </p:cNvPr>
+          <p:cNvSpPr>
+            <a:spLocks noGrp="1"/>
+          </p:cNvSpPr>
+          <p:nvPr>
+            <p:ph type="body" sz="quarter" idx="10"/>
+          </p:nvPr>
+        </p:nvSpPr>
+        <p:spPr>
+          <a:xfrm>
+            <a:off x="0" y="164637"/>
+            <a:ext cx="12192000" cy="768085"/>
+          </a:xfrm>
+        </p:spPr>
+        <p:txBody>
+          <a:bodyPr>
+            <a:normAutofit fontScale="92500" lnSpcReduction="10000"/>
+          </a:bodyPr>
+          <a:lstStyle/>
+          <a:p>
+            <a:r>
+              <a:rPr lang="en-US" dirty="0">
+                <a:latin typeface="Montserrat" panose="00000500000000000000" pitchFamily="50" charset="0"/>
+              </a:rPr>
+              <a:t>What to test?</a:t>
+            </a:r>
+          </a:p>
+        </p:txBody>
+      </p:sp>
+      <p:pic>
+        <p:nvPicPr>
+          <p:cNvPr id="2" name="Picture 2">
+            <a:extLst>
+              <a:ext uri="{FF2B5EF4-FFF2-40B4-BE49-F238E27FC236}">
+                <a16:creationId xmlns:a16="http://schemas.microsoft.com/office/drawing/2014/main" id="{BE702AB5-3529-44B2-9B10-245DC75B1B4E}"/>
               </a:ext>
             </a:extLst>
           </p:cNvPr>
@@ -5921,8 +6593,8 @@
         </p:blipFill>
         <p:spPr bwMode="auto">
           <a:xfrm>
-            <a:off x="3118194" y="5987951"/>
-            <a:ext cx="476062" cy="476062"/>
+            <a:off x="3838670" y="808165"/>
+            <a:ext cx="4055952" cy="1701070"/>
           </a:xfrm>
           <a:prstGeom prst="rect">
             <a:avLst/>
@@ -5939,175 +6611,291 @@
           </a:extLst>
         </p:spPr>
       </p:pic>
-      <p:pic>
-        <p:nvPicPr>
-          <p:cNvPr id="1028" name="Picture 4" descr="Cancel  free icon">
+      <p:sp>
+        <p:nvSpPr>
+          <p:cNvPr id="6" name="TextBox 5">
             <a:extLst>
               <a:ext uri="{FF2B5EF4-FFF2-40B4-BE49-F238E27FC236}">
-                <a16:creationId xmlns:a16="http://schemas.microsoft.com/office/drawing/2014/main" id="{109C562D-28D8-479E-8F71-3638BC480BAD}"/>
+                <a16:creationId xmlns:a16="http://schemas.microsoft.com/office/drawing/2014/main" id="{108D5CDD-E35F-41A3-B040-8FF88E8A644A}"/>
               </a:ext>
             </a:extLst>
           </p:cNvPr>
-          <p:cNvPicPr>
-            <a:picLocks noChangeAspect="1" noChangeArrowheads="1"/>
-          </p:cNvPicPr>
+          <p:cNvSpPr txBox="1"/>
           <p:nvPr/>
-        </p:nvPicPr>
-        <p:blipFill>
-          <a:blip r:embed="rId3">
-            <a:extLst>
-              <a:ext uri="{28A0092B-C50C-407E-A947-70E740481C1C}">
-                <a14:useLocalDpi xmlns:a14="http://schemas.microsoft.com/office/drawing/2010/main" val="0"/>
-              </a:ext>
-            </a:extLst>
-          </a:blip>
-          <a:srcRect/>
-          <a:stretch>
-            <a:fillRect/>
-          </a:stretch>
-        </p:blipFill>
-        <p:spPr bwMode="auto">
+        </p:nvSpPr>
+        <p:spPr>
           <a:xfrm>
-            <a:off x="8424175" y="6052904"/>
-            <a:ext cx="476062" cy="476062"/>
+            <a:off x="814811" y="2663143"/>
+            <a:ext cx="4508627" cy="2315890"/>
           </a:xfrm>
           <a:prstGeom prst="rect">
             <a:avLst/>
           </a:prstGeom>
           <a:noFill/>
-          <a:extLst>
-            <a:ext uri="{909E8E84-426E-40DD-AFC4-6F175D3DCCD1}">
-              <a14:hiddenFill xmlns:a14="http://schemas.microsoft.com/office/drawing/2010/main">
-                <a:solidFill>
-                  <a:srgbClr val="FFFFFF"/>
-                </a:solidFill>
-              </a14:hiddenFill>
-            </a:ext>
-          </a:extLst>
         </p:spPr>
-      </p:pic>
-      <p:pic>
-        <p:nvPicPr>
-          <p:cNvPr id="5" name="Picture 4">
+        <p:txBody>
+          <a:bodyPr wrap="square" rtlCol="0">
+            <a:spAutoFit/>
+          </a:bodyPr>
+          <a:lstStyle/>
+          <a:p>
+            <a:pPr>
+              <a:lnSpc>
+                <a:spcPct val="150000"/>
+              </a:lnSpc>
+            </a:pPr>
+            <a:r>
+              <a:rPr lang="en-US" b="1" dirty="0">
+                <a:latin typeface="Montserrat" panose="00000500000000000000" pitchFamily="50" charset="0"/>
+              </a:rPr>
+              <a:t>Inputs</a:t>
+            </a:r>
+          </a:p>
+          <a:p>
+            <a:pPr marL="285750" indent="-285750">
+              <a:lnSpc>
+                <a:spcPct val="150000"/>
+              </a:lnSpc>
+              <a:buFont typeface="Arial" panose="020B0604020202020204" pitchFamily="34" charset="0"/>
+              <a:buChar char="•"/>
+            </a:pPr>
+            <a:r>
+              <a:rPr lang="en-US" dirty="0">
+                <a:latin typeface="Montserrat" panose="00000500000000000000" pitchFamily="50" charset="0"/>
+              </a:rPr>
+              <a:t>Data: the component’s data</a:t>
+            </a:r>
+          </a:p>
+          <a:p>
+            <a:pPr marL="285750" indent="-285750">
+              <a:lnSpc>
+                <a:spcPct val="150000"/>
+              </a:lnSpc>
+              <a:buFont typeface="Arial" panose="020B0604020202020204" pitchFamily="34" charset="0"/>
+              <a:buChar char="•"/>
+            </a:pPr>
+            <a:r>
+              <a:rPr lang="en-US" dirty="0">
+                <a:latin typeface="Montserrat" panose="00000500000000000000" pitchFamily="50" charset="0"/>
+              </a:rPr>
+              <a:t>Props: the component’s props</a:t>
+            </a:r>
+          </a:p>
+          <a:p>
+            <a:pPr marL="285750" indent="-285750">
+              <a:lnSpc>
+                <a:spcPct val="150000"/>
+              </a:lnSpc>
+              <a:buFont typeface="Arial" panose="020B0604020202020204" pitchFamily="34" charset="0"/>
+              <a:buChar char="•"/>
+            </a:pPr>
+            <a:r>
+              <a:rPr lang="en-US" dirty="0">
+                <a:latin typeface="Montserrat" panose="00000500000000000000" pitchFamily="50" charset="0"/>
+              </a:rPr>
+              <a:t>User Interaction: user clicks a button</a:t>
+            </a:r>
+          </a:p>
+          <a:p>
+            <a:pPr marL="285750" indent="-285750">
+              <a:lnSpc>
+                <a:spcPct val="150000"/>
+              </a:lnSpc>
+              <a:buFont typeface="Arial" panose="020B0604020202020204" pitchFamily="34" charset="0"/>
+              <a:buChar char="•"/>
+            </a:pPr>
+            <a:r>
+              <a:rPr lang="en-US" dirty="0">
+                <a:latin typeface="Montserrat" panose="00000500000000000000" pitchFamily="50" charset="0"/>
+              </a:rPr>
+              <a:t>Lifecycle Methods: mounted(), created(), etc.</a:t>
+            </a:r>
+          </a:p>
+          <a:p>
+            <a:pPr marL="285750" indent="-285750">
+              <a:lnSpc>
+                <a:spcPct val="150000"/>
+              </a:lnSpc>
+              <a:buFont typeface="Arial" panose="020B0604020202020204" pitchFamily="34" charset="0"/>
+              <a:buChar char="•"/>
+            </a:pPr>
+            <a:r>
+              <a:rPr lang="en-US" dirty="0">
+                <a:latin typeface="Montserrat" panose="00000500000000000000" pitchFamily="50" charset="0"/>
+              </a:rPr>
+              <a:t>Store: state management data</a:t>
+            </a:r>
+          </a:p>
+          <a:p>
+            <a:pPr marL="285750" indent="-285750">
+              <a:lnSpc>
+                <a:spcPct val="150000"/>
+              </a:lnSpc>
+              <a:buFont typeface="Arial" panose="020B0604020202020204" pitchFamily="34" charset="0"/>
+              <a:buChar char="•"/>
+            </a:pPr>
+            <a:r>
+              <a:rPr lang="en-US" dirty="0">
+                <a:latin typeface="Montserrat" panose="00000500000000000000" pitchFamily="50" charset="0"/>
+              </a:rPr>
+              <a:t>Route Params: data in the route</a:t>
+            </a:r>
+          </a:p>
+        </p:txBody>
+      </p:sp>
+      <p:sp>
+        <p:nvSpPr>
+          <p:cNvPr id="16" name="TextBox 15">
             <a:extLst>
               <a:ext uri="{FF2B5EF4-FFF2-40B4-BE49-F238E27FC236}">
-                <a16:creationId xmlns:a16="http://schemas.microsoft.com/office/drawing/2014/main" id="{69C5E790-9042-4E7A-BB5D-6F64A277C725}"/>
+                <a16:creationId xmlns:a16="http://schemas.microsoft.com/office/drawing/2014/main" id="{918DC012-6EC9-4D5A-9C2E-D7295974DB6D}"/>
               </a:ext>
             </a:extLst>
           </p:cNvPr>
-          <p:cNvPicPr>
-            <a:picLocks noChangeAspect="1"/>
-          </p:cNvPicPr>
+          <p:cNvSpPr txBox="1"/>
           <p:nvPr/>
-        </p:nvPicPr>
-        <p:blipFill rotWithShape="1">
-          <a:blip r:embed="rId4"/>
-          <a:srcRect t="17554" b="17390"/>
-          <a:stretch/>
-        </p:blipFill>
+        </p:nvSpPr>
         <p:spPr>
           <a:xfrm>
-            <a:off x="1241184" y="1135884"/>
-            <a:ext cx="4201519" cy="1978626"/>
+            <a:off x="5685578" y="2509235"/>
+            <a:ext cx="5133314" cy="2962221"/>
           </a:xfrm>
           <a:prstGeom prst="rect">
             <a:avLst/>
           </a:prstGeom>
+          <a:noFill/>
         </p:spPr>
-      </p:pic>
-      <p:pic>
-        <p:nvPicPr>
-          <p:cNvPr id="7" name="Picture 6">
-            <a:extLst>
-              <a:ext uri="{FF2B5EF4-FFF2-40B4-BE49-F238E27FC236}">
-                <a16:creationId xmlns:a16="http://schemas.microsoft.com/office/drawing/2014/main" id="{7CD491CB-0653-4D0B-B089-29551637DA80}"/>
-              </a:ext>
-            </a:extLst>
-          </p:cNvPr>
-          <p:cNvPicPr>
-            <a:picLocks noChangeAspect="1"/>
-          </p:cNvPicPr>
-          <p:nvPr/>
-        </p:nvPicPr>
-        <p:blipFill rotWithShape="1">
-          <a:blip r:embed="rId5"/>
-          <a:srcRect t="18319" b="18335"/>
-          <a:stretch/>
-        </p:blipFill>
-        <p:spPr>
-          <a:xfrm>
-            <a:off x="6323415" y="1187917"/>
-            <a:ext cx="4201519" cy="1926593"/>
-          </a:xfrm>
-          <a:prstGeom prst="rect">
-            <a:avLst/>
-          </a:prstGeom>
-        </p:spPr>
-      </p:pic>
-      <p:pic>
-        <p:nvPicPr>
-          <p:cNvPr id="13" name="Picture 12">
-            <a:extLst>
-              <a:ext uri="{FF2B5EF4-FFF2-40B4-BE49-F238E27FC236}">
-                <a16:creationId xmlns:a16="http://schemas.microsoft.com/office/drawing/2014/main" id="{12F37F1C-AF8C-4066-8841-E3A5B2CB40C7}"/>
-              </a:ext>
-            </a:extLst>
-          </p:cNvPr>
-          <p:cNvPicPr>
-            <a:picLocks noChangeAspect="1"/>
-          </p:cNvPicPr>
-          <p:nvPr/>
-        </p:nvPicPr>
-        <p:blipFill>
-          <a:blip r:embed="rId6"/>
-          <a:stretch>
-            <a:fillRect/>
-          </a:stretch>
-        </p:blipFill>
-        <p:spPr>
-          <a:xfrm>
-            <a:off x="1423153" y="3429000"/>
-            <a:ext cx="3826180" cy="2021891"/>
-          </a:xfrm>
-          <a:prstGeom prst="rect">
-            <a:avLst/>
-          </a:prstGeom>
-        </p:spPr>
-      </p:pic>
-      <p:pic>
-        <p:nvPicPr>
-          <p:cNvPr id="21" name="Picture 20">
-            <a:extLst>
-              <a:ext uri="{FF2B5EF4-FFF2-40B4-BE49-F238E27FC236}">
-                <a16:creationId xmlns:a16="http://schemas.microsoft.com/office/drawing/2014/main" id="{CCB10376-1596-4BD3-9F99-5729E2D2DAF5}"/>
-              </a:ext>
-            </a:extLst>
-          </p:cNvPr>
-          <p:cNvPicPr>
-            <a:picLocks noChangeAspect="1"/>
-          </p:cNvPicPr>
-          <p:nvPr/>
-        </p:nvPicPr>
-        <p:blipFill>
-          <a:blip r:embed="rId7"/>
-          <a:stretch>
-            <a:fillRect/>
-          </a:stretch>
-        </p:blipFill>
-        <p:spPr>
-          <a:xfrm>
-            <a:off x="6557701" y="3429000"/>
-            <a:ext cx="3763653" cy="2489228"/>
-          </a:xfrm>
-          <a:prstGeom prst="rect">
-            <a:avLst/>
-          </a:prstGeom>
-        </p:spPr>
-      </p:pic>
+        <p:txBody>
+          <a:bodyPr wrap="square" rtlCol="0">
+            <a:spAutoFit/>
+          </a:bodyPr>
+          <a:lstStyle/>
+          <a:p>
+            <a:pPr>
+              <a:lnSpc>
+                <a:spcPct val="150000"/>
+              </a:lnSpc>
+            </a:pPr>
+            <a:r>
+              <a:rPr lang="en-US" b="1" dirty="0">
+                <a:latin typeface="Montserrat" panose="00000500000000000000" pitchFamily="50" charset="0"/>
+              </a:rPr>
+              <a:t>Outputs</a:t>
+            </a:r>
+          </a:p>
+          <a:p>
+            <a:pPr marL="285750" indent="-285750" algn="l">
+              <a:lnSpc>
+                <a:spcPct val="150000"/>
+              </a:lnSpc>
+              <a:buFont typeface="Arial" panose="020B0604020202020204" pitchFamily="34" charset="0"/>
+              <a:buChar char="•"/>
+            </a:pPr>
+            <a:r>
+              <a:rPr lang="en-US" b="0" i="0" dirty="0">
+                <a:solidFill>
+                  <a:srgbClr val="000000"/>
+                </a:solidFill>
+                <a:effectLst/>
+                <a:latin typeface="Montserrat" panose="00000500000000000000" pitchFamily="50" charset="0"/>
+              </a:rPr>
+              <a:t>Rendered Output (Data): what is rendered to the DOM</a:t>
+            </a:r>
+          </a:p>
+          <a:p>
+            <a:pPr marL="285750" indent="-285750" algn="l">
+              <a:lnSpc>
+                <a:spcPct val="150000"/>
+              </a:lnSpc>
+              <a:buFont typeface="Arial" panose="020B0604020202020204" pitchFamily="34" charset="0"/>
+              <a:buChar char="•"/>
+            </a:pPr>
+            <a:r>
+              <a:rPr lang="en-US" b="0" i="0" dirty="0">
+                <a:solidFill>
+                  <a:srgbClr val="000000"/>
+                </a:solidFill>
+                <a:effectLst/>
+                <a:latin typeface="Montserrat" panose="00000500000000000000" pitchFamily="50" charset="0"/>
+              </a:rPr>
+              <a:t>Events: component emits an event</a:t>
+            </a:r>
+          </a:p>
+          <a:p>
+            <a:pPr marL="285750" indent="-285750" algn="l">
+              <a:lnSpc>
+                <a:spcPct val="150000"/>
+              </a:lnSpc>
+              <a:buFont typeface="Arial" panose="020B0604020202020204" pitchFamily="34" charset="0"/>
+              <a:buChar char="•"/>
+            </a:pPr>
+            <a:r>
+              <a:rPr lang="en-US" b="0" i="0" dirty="0">
+                <a:solidFill>
+                  <a:srgbClr val="000000"/>
+                </a:solidFill>
+                <a:effectLst/>
+                <a:latin typeface="Montserrat" panose="00000500000000000000" pitchFamily="50" charset="0"/>
+              </a:rPr>
+              <a:t>Route Changes: when the route changes</a:t>
+            </a:r>
+          </a:p>
+          <a:p>
+            <a:pPr marL="285750" indent="-285750" algn="l">
+              <a:lnSpc>
+                <a:spcPct val="150000"/>
+              </a:lnSpc>
+              <a:buFont typeface="Arial" panose="020B0604020202020204" pitchFamily="34" charset="0"/>
+              <a:buChar char="•"/>
+            </a:pPr>
+            <a:r>
+              <a:rPr lang="en-US" b="0" i="0" dirty="0">
+                <a:solidFill>
+                  <a:srgbClr val="000000"/>
+                </a:solidFill>
+                <a:effectLst/>
+                <a:latin typeface="Montserrat" panose="00000500000000000000" pitchFamily="50" charset="0"/>
+              </a:rPr>
+              <a:t>Store: updates to the state</a:t>
+            </a:r>
+          </a:p>
+          <a:p>
+            <a:pPr marL="285750" indent="-285750" algn="l">
+              <a:lnSpc>
+                <a:spcPct val="150000"/>
+              </a:lnSpc>
+              <a:buFont typeface="Arial" panose="020B0604020202020204" pitchFamily="34" charset="0"/>
+              <a:buChar char="•"/>
+            </a:pPr>
+            <a:r>
+              <a:rPr lang="en-US" b="0" i="0" dirty="0">
+                <a:solidFill>
+                  <a:srgbClr val="000000"/>
+                </a:solidFill>
+                <a:effectLst/>
+                <a:latin typeface="Montserrat" panose="00000500000000000000" pitchFamily="50" charset="0"/>
+              </a:rPr>
+              <a:t>Connection with children: changes in child components</a:t>
+            </a:r>
+          </a:p>
+          <a:p>
+            <a:pPr marL="285750" indent="-285750">
+              <a:lnSpc>
+                <a:spcPct val="150000"/>
+              </a:lnSpc>
+              <a:buFont typeface="Arial" panose="020B0604020202020204" pitchFamily="34" charset="0"/>
+              <a:buChar char="•"/>
+            </a:pPr>
+            <a:endParaRPr lang="en-US" dirty="0">
+              <a:latin typeface="Montserrat" panose="00000500000000000000" pitchFamily="50" charset="0"/>
+            </a:endParaRPr>
+          </a:p>
+        </p:txBody>
+      </p:sp>
     </p:spTree>
     <p:extLst>
       <p:ext uri="{BB962C8B-B14F-4D97-AF65-F5344CB8AC3E}">
-        <p14:creationId xmlns:p14="http://schemas.microsoft.com/office/powerpoint/2010/main" val="2762288775"/>
+        <p14:creationId xmlns:p14="http://schemas.microsoft.com/office/powerpoint/2010/main" val="2994335432"/>
       </p:ext>
     </p:extLst>
   </p:cSld>
@@ -6117,7 +6905,7 @@
 </p:sld>
 </file>
 
-<file path=ppt/slides/slide4.xml><?xml version="1.0" encoding="utf-8"?>
+<file path=ppt/slides/slide6.xml><?xml version="1.0" encoding="utf-8"?>
 <p:sld xmlns:a="http://schemas.openxmlformats.org/drawingml/2006/main" xmlns:r="http://schemas.openxmlformats.org/officeDocument/2006/relationships" xmlns:p="http://schemas.openxmlformats.org/presentationml/2006/main">
   <p:cSld>
     <p:spTree>
@@ -6249,7 +7037,7 @@
               <a:rPr lang="en-US" sz="2000" dirty="0">
                 <a:latin typeface="Montserrat" panose="00000500000000000000" pitchFamily="50" charset="0"/>
               </a:rPr>
-              <a:t>7. Mocking global objects (Injections) – FormSubmitter.spec.js</a:t>
+              <a:t>7. Mocking global objects – Bilingual.spec.js</a:t>
             </a:r>
           </a:p>
           <a:p>
@@ -6275,19 +7063,7 @@
               <a:rPr lang="en-US" sz="2000" dirty="0">
                 <a:latin typeface="Montserrat" panose="00000500000000000000" pitchFamily="50" charset="0"/>
               </a:rPr>
-              <a:t>9. </a:t>
-            </a:r>
-            <a:r>
-              <a:rPr lang="en-US" sz="2000" dirty="0" err="1">
-                <a:latin typeface="Montserrat" panose="00000500000000000000" pitchFamily="50" charset="0"/>
-              </a:rPr>
-              <a:t>Vuex</a:t>
-            </a:r>
-            <a:r>
-              <a:rPr lang="en-US" sz="2000" dirty="0">
-                <a:latin typeface="Montserrat" panose="00000500000000000000" pitchFamily="50" charset="0"/>
-              </a:rPr>
-              <a:t> – Feel free to explore yourself</a:t>
+              <a:t>9. Vuex – Try it your self</a:t>
             </a:r>
           </a:p>
         </p:txBody>
@@ -6329,6 +7105,77 @@
           </a:p>
         </p:txBody>
       </p:sp>
+      <p:sp>
+        <p:nvSpPr>
+          <p:cNvPr id="5" name="TextBox 4">
+            <a:extLst>
+              <a:ext uri="{FF2B5EF4-FFF2-40B4-BE49-F238E27FC236}">
+                <a16:creationId xmlns:a16="http://schemas.microsoft.com/office/drawing/2014/main" id="{79384ED5-099B-494E-9FC6-03B798B94567}"/>
+              </a:ext>
+            </a:extLst>
+          </p:cNvPr>
+          <p:cNvSpPr txBox="1"/>
+          <p:nvPr/>
+        </p:nvSpPr>
+        <p:spPr>
+          <a:xfrm>
+            <a:off x="1093206" y="5601484"/>
+            <a:ext cx="6097508" cy="276999"/>
+          </a:xfrm>
+          <a:prstGeom prst="rect">
+            <a:avLst/>
+          </a:prstGeom>
+          <a:noFill/>
+        </p:spPr>
+        <p:txBody>
+          <a:bodyPr wrap="square">
+            <a:spAutoFit/>
+          </a:bodyPr>
+          <a:lstStyle/>
+          <a:p>
+            <a:r>
+              <a:rPr lang="en-US" sz="1200" i="1" dirty="0">
+                <a:solidFill>
+                  <a:schemeClr val="tx1">
+                    <a:lumMod val="75000"/>
+                    <a:lumOff val="25000"/>
+                  </a:schemeClr>
+                </a:solidFill>
+                <a:latin typeface="Montserrat" panose="00000500000000000000" pitchFamily="50" charset="0"/>
+              </a:rPr>
+              <a:t>Repo: </a:t>
+            </a:r>
+            <a:r>
+              <a:rPr lang="en-US" sz="1200" i="1" dirty="0">
+                <a:solidFill>
+                  <a:schemeClr val="tx1">
+                    <a:lumMod val="75000"/>
+                    <a:lumOff val="25000"/>
+                  </a:schemeClr>
+                </a:solidFill>
+                <a:latin typeface="Montserrat" panose="00000500000000000000" pitchFamily="50" charset="0"/>
+                <a:hlinkClick r:id="rId2">
+                  <a:extLst>
+                    <a:ext uri="{A12FA001-AC4F-418D-AE19-62706E023703}">
+                      <ahyp:hlinkClr xmlns:ahyp="http://schemas.microsoft.com/office/drawing/2018/hyperlinkcolor" val="tx"/>
+                    </a:ext>
+                  </a:extLst>
+                </a:hlinkClick>
+              </a:rPr>
+              <a:t>https://github.com/Dafreak99/Vue-TDD</a:t>
+            </a:r>
+            <a:endParaRPr lang="en-US" sz="1200" i="1" dirty="0">
+              <a:solidFill>
+                <a:schemeClr val="tx1">
+                  <a:lumMod val="75000"/>
+                  <a:lumOff val="25000"/>
+                </a:schemeClr>
+              </a:solidFill>
+              <a:latin typeface="Montserrat" panose="00000500000000000000" pitchFamily="50" charset="0"/>
+            </a:endParaRPr>
+          </a:p>
+        </p:txBody>
+      </p:sp>
     </p:spTree>
     <p:extLst>
       <p:ext uri="{BB962C8B-B14F-4D97-AF65-F5344CB8AC3E}">
@@ -6342,7 +7189,422 @@
 </p:sld>
 </file>
 
-<file path=ppt/slides/slide5.xml><?xml version="1.0" encoding="utf-8"?>
+<file path=ppt/slides/slide7.xml><?xml version="1.0" encoding="utf-8"?>
+<p:sld xmlns:a="http://schemas.openxmlformats.org/drawingml/2006/main" xmlns:r="http://schemas.openxmlformats.org/officeDocument/2006/relationships" xmlns:p="http://schemas.openxmlformats.org/presentationml/2006/main">
+  <p:cSld>
+    <p:spTree>
+      <p:nvGrpSpPr>
+        <p:cNvPr id="1" name=""/>
+        <p:cNvGrpSpPr/>
+        <p:nvPr/>
+      </p:nvGrpSpPr>
+      <p:grpSpPr>
+        <a:xfrm>
+          <a:off x="0" y="0"/>
+          <a:ext cx="0" cy="0"/>
+          <a:chOff x="0" y="0"/>
+          <a:chExt cx="0" cy="0"/>
+        </a:xfrm>
+      </p:grpSpPr>
+      <p:sp>
+        <p:nvSpPr>
+          <p:cNvPr id="3" name="Text Placeholder 1">
+            <a:extLst>
+              <a:ext uri="{FF2B5EF4-FFF2-40B4-BE49-F238E27FC236}">
+                <a16:creationId xmlns:a16="http://schemas.microsoft.com/office/drawing/2014/main" id="{156614DF-E018-4302-8107-5B102B9E7D09}"/>
+              </a:ext>
+            </a:extLst>
+          </p:cNvPr>
+          <p:cNvSpPr>
+            <a:spLocks noGrp="1"/>
+          </p:cNvSpPr>
+          <p:nvPr>
+            <p:ph type="body" sz="quarter" idx="10"/>
+          </p:nvPr>
+        </p:nvSpPr>
+        <p:spPr>
+          <a:xfrm>
+            <a:off x="0" y="164637"/>
+            <a:ext cx="12192000" cy="768085"/>
+          </a:xfrm>
+        </p:spPr>
+        <p:txBody>
+          <a:bodyPr>
+            <a:normAutofit fontScale="92500" lnSpcReduction="10000"/>
+          </a:bodyPr>
+          <a:lstStyle/>
+          <a:p>
+            <a:r>
+              <a:rPr lang="en-US" dirty="0">
+                <a:latin typeface="Montserrat" panose="00000500000000000000" pitchFamily="50" charset="0"/>
+              </a:rPr>
+              <a:t>What </a:t>
+            </a:r>
+            <a:r>
+              <a:rPr lang="en-US" b="1" dirty="0">
+                <a:latin typeface="Montserrat" panose="00000500000000000000" pitchFamily="50" charset="0"/>
+              </a:rPr>
+              <a:t>not</a:t>
+            </a:r>
+            <a:r>
+              <a:rPr lang="en-US" dirty="0">
+                <a:latin typeface="Montserrat" panose="00000500000000000000" pitchFamily="50" charset="0"/>
+              </a:rPr>
+              <a:t> to test?</a:t>
+            </a:r>
+          </a:p>
+        </p:txBody>
+      </p:sp>
+      <p:sp>
+        <p:nvSpPr>
+          <p:cNvPr id="4" name="TextBox 3">
+            <a:extLst>
+              <a:ext uri="{FF2B5EF4-FFF2-40B4-BE49-F238E27FC236}">
+                <a16:creationId xmlns:a16="http://schemas.microsoft.com/office/drawing/2014/main" id="{E4CF3C58-25F5-4C4D-9020-BD3AB7143FFF}"/>
+              </a:ext>
+            </a:extLst>
+          </p:cNvPr>
+          <p:cNvSpPr txBox="1"/>
+          <p:nvPr/>
+        </p:nvSpPr>
+        <p:spPr>
+          <a:xfrm>
+            <a:off x="854043" y="1204110"/>
+            <a:ext cx="9177197" cy="4110869"/>
+          </a:xfrm>
+          <a:prstGeom prst="rect">
+            <a:avLst/>
+          </a:prstGeom>
+          <a:noFill/>
+        </p:spPr>
+        <p:txBody>
+          <a:bodyPr wrap="square" rtlCol="0">
+            <a:spAutoFit/>
+          </a:bodyPr>
+          <a:lstStyle/>
+          <a:p>
+            <a:pPr marL="342900" indent="-342900">
+              <a:lnSpc>
+                <a:spcPct val="150000"/>
+              </a:lnSpc>
+              <a:buAutoNum type="arabicPeriod"/>
+            </a:pPr>
+            <a:r>
+              <a:rPr lang="en-US" sz="2000" b="1" dirty="0">
+                <a:solidFill>
+                  <a:schemeClr val="tx2">
+                    <a:lumMod val="10000"/>
+                  </a:schemeClr>
+                </a:solidFill>
+                <a:latin typeface="Montserrat" panose="00000500000000000000" pitchFamily="50" charset="0"/>
+              </a:rPr>
+              <a:t>Implementation Details</a:t>
+            </a:r>
+            <a:r>
+              <a:rPr lang="en-US" sz="2000" b="1" dirty="0">
+                <a:solidFill>
+                  <a:schemeClr val="tx1"/>
+                </a:solidFill>
+                <a:latin typeface="Montserrat" panose="00000500000000000000" pitchFamily="50" charset="0"/>
+              </a:rPr>
+              <a:t>: </a:t>
+            </a:r>
+          </a:p>
+          <a:p>
+            <a:pPr marL="342900" indent="-342900">
+              <a:lnSpc>
+                <a:spcPct val="150000"/>
+              </a:lnSpc>
+              <a:buFontTx/>
+              <a:buChar char="-"/>
+            </a:pPr>
+            <a:r>
+              <a:rPr lang="en-US" sz="1600" dirty="0">
+                <a:solidFill>
+                  <a:schemeClr val="tx1"/>
+                </a:solidFill>
+                <a:latin typeface="Montserrat" panose="00000500000000000000" pitchFamily="50" charset="0"/>
+              </a:rPr>
+              <a:t>We don’t need to care about the inner implementation of a method or a computed property</a:t>
+            </a:r>
+          </a:p>
+          <a:p>
+            <a:pPr marL="342900" indent="-342900">
+              <a:lnSpc>
+                <a:spcPct val="150000"/>
+              </a:lnSpc>
+              <a:buFontTx/>
+              <a:buChar char="-"/>
+            </a:pPr>
+            <a:r>
+              <a:rPr lang="en-US" sz="1600" dirty="0">
+                <a:solidFill>
+                  <a:schemeClr val="tx1"/>
+                </a:solidFill>
+                <a:latin typeface="Montserrat" panose="00000500000000000000" pitchFamily="50" charset="0"/>
+              </a:rPr>
+              <a:t>What only need to know the expected output for a specific input and write test case for to assert that</a:t>
+            </a:r>
+          </a:p>
+          <a:p>
+            <a:pPr>
+              <a:lnSpc>
+                <a:spcPct val="150000"/>
+              </a:lnSpc>
+            </a:pPr>
+            <a:r>
+              <a:rPr lang="en-US" sz="2000" b="1" i="0" dirty="0">
+                <a:solidFill>
+                  <a:schemeClr val="tx2">
+                    <a:lumMod val="10000"/>
+                  </a:schemeClr>
+                </a:solidFill>
+                <a:effectLst/>
+                <a:latin typeface="Montserrat" panose="00000500000000000000" pitchFamily="50" charset="0"/>
+              </a:rPr>
+              <a:t>2. Testing the Framework Itself</a:t>
+            </a:r>
+          </a:p>
+          <a:p>
+            <a:pPr marL="342900" indent="-342900">
+              <a:lnSpc>
+                <a:spcPct val="150000"/>
+              </a:lnSpc>
+              <a:buFontTx/>
+              <a:buChar char="-"/>
+            </a:pPr>
+            <a:r>
+              <a:rPr lang="en-US" sz="1600" dirty="0">
+                <a:latin typeface="Montserrat" panose="00000500000000000000" pitchFamily="50" charset="0"/>
+              </a:rPr>
+              <a:t>A</a:t>
+            </a:r>
+            <a:r>
+              <a:rPr lang="en-US" sz="1600" b="0" i="0" dirty="0">
+                <a:solidFill>
+                  <a:srgbClr val="000000"/>
+                </a:solidFill>
+                <a:effectLst/>
+                <a:latin typeface="Montserrat" panose="00000500000000000000" pitchFamily="50" charset="0"/>
+              </a:rPr>
+              <a:t> data, computed property, props got rendered to the template</a:t>
+            </a:r>
+            <a:endParaRPr lang="en-US" sz="1600" i="0" dirty="0">
+              <a:solidFill>
+                <a:schemeClr val="tx1"/>
+              </a:solidFill>
+              <a:effectLst/>
+              <a:latin typeface="Montserrat" panose="00000500000000000000" pitchFamily="50" charset="0"/>
+            </a:endParaRPr>
+          </a:p>
+          <a:p>
+            <a:pPr>
+              <a:lnSpc>
+                <a:spcPct val="150000"/>
+              </a:lnSpc>
+            </a:pPr>
+            <a:r>
+              <a:rPr lang="en-US" sz="2000" b="1" i="0" dirty="0">
+                <a:solidFill>
+                  <a:schemeClr val="tx2">
+                    <a:lumMod val="10000"/>
+                  </a:schemeClr>
+                </a:solidFill>
+                <a:effectLst/>
+                <a:latin typeface="Montserrat" panose="00000500000000000000" pitchFamily="50" charset="0"/>
+              </a:rPr>
+              <a:t>3. Third party libraries</a:t>
+            </a:r>
+          </a:p>
+          <a:p>
+            <a:pPr marL="285750" indent="-285750">
+              <a:lnSpc>
+                <a:spcPct val="150000"/>
+              </a:lnSpc>
+              <a:buFontTx/>
+              <a:buChar char="-"/>
+            </a:pPr>
+            <a:r>
+              <a:rPr lang="en-US" sz="1600" dirty="0">
+                <a:solidFill>
+                  <a:schemeClr val="tx1"/>
+                </a:solidFill>
+                <a:latin typeface="Montserrat" panose="00000500000000000000" pitchFamily="50" charset="0"/>
+              </a:rPr>
+              <a:t>Vuex, VueRouter, Axios, and other NPM packages are out of testing scope</a:t>
+            </a:r>
+          </a:p>
+          <a:p>
+            <a:pPr>
+              <a:lnSpc>
+                <a:spcPct val="150000"/>
+              </a:lnSpc>
+            </a:pPr>
+            <a:endParaRPr lang="en-US" sz="1600" i="0" dirty="0">
+              <a:solidFill>
+                <a:schemeClr val="tx1"/>
+              </a:solidFill>
+              <a:effectLst/>
+              <a:latin typeface="Montserrat" panose="00000500000000000000" pitchFamily="50" charset="0"/>
+            </a:endParaRPr>
+          </a:p>
+        </p:txBody>
+      </p:sp>
+      <p:pic>
+        <p:nvPicPr>
+          <p:cNvPr id="7" name="Picture 4" descr="Cancel  free icon">
+            <a:extLst>
+              <a:ext uri="{FF2B5EF4-FFF2-40B4-BE49-F238E27FC236}">
+                <a16:creationId xmlns:a16="http://schemas.microsoft.com/office/drawing/2014/main" id="{6356140C-7738-461C-8784-6AA1C38B1390}"/>
+              </a:ext>
+            </a:extLst>
+          </p:cNvPr>
+          <p:cNvPicPr>
+            <a:picLocks noChangeAspect="1" noChangeArrowheads="1"/>
+          </p:cNvPicPr>
+          <p:nvPr/>
+        </p:nvPicPr>
+        <p:blipFill>
+          <a:blip r:embed="rId2">
+            <a:extLst>
+              <a:ext uri="{28A0092B-C50C-407E-A947-70E740481C1C}">
+                <a14:useLocalDpi xmlns:a14="http://schemas.microsoft.com/office/drawing/2010/main" val="0"/>
+              </a:ext>
+            </a:extLst>
+          </a:blip>
+          <a:srcRect/>
+          <a:stretch>
+            <a:fillRect/>
+          </a:stretch>
+        </p:blipFill>
+        <p:spPr bwMode="auto">
+          <a:xfrm>
+            <a:off x="4630773" y="1367072"/>
+            <a:ext cx="262551" cy="262551"/>
+          </a:xfrm>
+          <a:prstGeom prst="rect">
+            <a:avLst/>
+          </a:prstGeom>
+          <a:noFill/>
+          <a:extLst>
+            <a:ext uri="{909E8E84-426E-40DD-AFC4-6F175D3DCCD1}">
+              <a14:hiddenFill xmlns:a14="http://schemas.microsoft.com/office/drawing/2010/main">
+                <a:solidFill>
+                  <a:srgbClr val="FFFFFF"/>
+                </a:solidFill>
+              </a14:hiddenFill>
+            </a:ext>
+          </a:extLst>
+        </p:spPr>
+      </p:pic>
+      <p:pic>
+        <p:nvPicPr>
+          <p:cNvPr id="8" name="Picture 4" descr="Cancel  free icon">
+            <a:extLst>
+              <a:ext uri="{FF2B5EF4-FFF2-40B4-BE49-F238E27FC236}">
+                <a16:creationId xmlns:a16="http://schemas.microsoft.com/office/drawing/2014/main" id="{E13D7E90-5687-4D9E-B2A7-329723B0C999}"/>
+              </a:ext>
+            </a:extLst>
+          </p:cNvPr>
+          <p:cNvPicPr>
+            <a:picLocks noChangeAspect="1" noChangeArrowheads="1"/>
+          </p:cNvPicPr>
+          <p:nvPr/>
+        </p:nvPicPr>
+        <p:blipFill>
+          <a:blip r:embed="rId2">
+            <a:extLst>
+              <a:ext uri="{28A0092B-C50C-407E-A947-70E740481C1C}">
+                <a14:useLocalDpi xmlns:a14="http://schemas.microsoft.com/office/drawing/2010/main" val="0"/>
+              </a:ext>
+            </a:extLst>
+          </a:blip>
+          <a:srcRect/>
+          <a:stretch>
+            <a:fillRect/>
+          </a:stretch>
+        </p:blipFill>
+        <p:spPr bwMode="auto">
+          <a:xfrm>
+            <a:off x="3977415" y="4125952"/>
+            <a:ext cx="262551" cy="262551"/>
+          </a:xfrm>
+          <a:prstGeom prst="rect">
+            <a:avLst/>
+          </a:prstGeom>
+          <a:noFill/>
+          <a:extLst>
+            <a:ext uri="{909E8E84-426E-40DD-AFC4-6F175D3DCCD1}">
+              <a14:hiddenFill xmlns:a14="http://schemas.microsoft.com/office/drawing/2010/main">
+                <a:solidFill>
+                  <a:srgbClr val="FFFFFF"/>
+                </a:solidFill>
+              </a14:hiddenFill>
+            </a:ext>
+          </a:extLst>
+        </p:spPr>
+      </p:pic>
+      <p:pic>
+        <p:nvPicPr>
+          <p:cNvPr id="9" name="Picture 4" descr="Cancel  free icon">
+            <a:extLst>
+              <a:ext uri="{FF2B5EF4-FFF2-40B4-BE49-F238E27FC236}">
+                <a16:creationId xmlns:a16="http://schemas.microsoft.com/office/drawing/2014/main" id="{7D40B520-5060-4AEE-8196-5AE7F27DD629}"/>
+              </a:ext>
+            </a:extLst>
+          </p:cNvPr>
+          <p:cNvPicPr>
+            <a:picLocks noChangeAspect="1" noChangeArrowheads="1"/>
+          </p:cNvPicPr>
+          <p:nvPr/>
+        </p:nvPicPr>
+        <p:blipFill>
+          <a:blip r:embed="rId2">
+            <a:extLst>
+              <a:ext uri="{28A0092B-C50C-407E-A947-70E740481C1C}">
+                <a14:useLocalDpi xmlns:a14="http://schemas.microsoft.com/office/drawing/2010/main" val="0"/>
+              </a:ext>
+            </a:extLst>
+          </a:blip>
+          <a:srcRect/>
+          <a:stretch>
+            <a:fillRect/>
+          </a:stretch>
+        </p:blipFill>
+        <p:spPr bwMode="auto">
+          <a:xfrm>
+            <a:off x="5208686" y="3297724"/>
+            <a:ext cx="262551" cy="262551"/>
+          </a:xfrm>
+          <a:prstGeom prst="rect">
+            <a:avLst/>
+          </a:prstGeom>
+          <a:noFill/>
+          <a:extLst>
+            <a:ext uri="{909E8E84-426E-40DD-AFC4-6F175D3DCCD1}">
+              <a14:hiddenFill xmlns:a14="http://schemas.microsoft.com/office/drawing/2010/main">
+                <a:solidFill>
+                  <a:srgbClr val="FFFFFF"/>
+                </a:solidFill>
+              </a14:hiddenFill>
+            </a:ext>
+          </a:extLst>
+        </p:spPr>
+      </p:pic>
+    </p:spTree>
+    <p:extLst>
+      <p:ext uri="{BB962C8B-B14F-4D97-AF65-F5344CB8AC3E}">
+        <p14:creationId xmlns:p14="http://schemas.microsoft.com/office/powerpoint/2010/main" val="3050356109"/>
+      </p:ext>
+    </p:extLst>
+  </p:cSld>
+  <p:clrMapOvr>
+    <a:masterClrMapping/>
+  </p:clrMapOvr>
+</p:sld>
+</file>
+
+<file path=ppt/slides/slide8.xml><?xml version="1.0" encoding="utf-8"?>
 <p:sld xmlns:a="http://schemas.openxmlformats.org/drawingml/2006/main" xmlns:r="http://schemas.openxmlformats.org/officeDocument/2006/relationships" xmlns:p="http://schemas.openxmlformats.org/presentationml/2006/main">
   <p:cSld>
     <p:spTree>
@@ -6374,7 +7636,7 @@
         <p:spPr>
           <a:xfrm>
             <a:off x="1120367" y="1311998"/>
-            <a:ext cx="8883712" cy="3268844"/>
+            <a:ext cx="9345440" cy="4653838"/>
           </a:xfrm>
           <a:prstGeom prst="rect">
             <a:avLst/>
@@ -6405,7 +7667,7 @@
                   <a:schemeClr val="tx1"/>
                 </a:solidFill>
                 <a:latin typeface="Montserrat" panose="00000500000000000000" pitchFamily="50" charset="0"/>
-                <a:hlinkClick r:id="rId2">
+                <a:hlinkClick r:id="rId3">
                   <a:extLst>
                     <a:ext uri="{A12FA001-AC4F-418D-AE19-62706E023703}">
                       <ahyp:hlinkClr xmlns:ahyp="http://schemas.microsoft.com/office/drawing/2018/hyperlinkcolor" val="tx"/>
@@ -6413,14 +7675,11 @@
                   </a:extLst>
                 </a:hlinkClick>
               </a:rPr>
-              <a:t>https://v1.test-utils.vuejs.org/guides </a:t>
+              <a:t>https://v1.test-utils.vuejs.org/guides</a:t>
             </a:r>
-            <a:r>
-              <a:rPr lang="en-US" sz="2000" dirty="0">
-                <a:latin typeface="Montserrat" panose="00000500000000000000" pitchFamily="50" charset="0"/>
-              </a:rPr>
-              <a:t>Rendering Components</a:t>
-            </a:r>
+            <a:endParaRPr lang="en-US" sz="2000" dirty="0">
+              <a:latin typeface="Montserrat" panose="00000500000000000000" pitchFamily="50" charset="0"/>
+            </a:endParaRPr>
           </a:p>
           <a:p>
             <a:pPr marL="457200" indent="-457200">
@@ -6444,7 +7703,7 @@
                   <a:schemeClr val="tx1"/>
                 </a:solidFill>
                 <a:latin typeface="Montserrat" panose="00000500000000000000" pitchFamily="50" charset="0"/>
-                <a:hlinkClick r:id="rId3">
+                <a:hlinkClick r:id="rId4">
                   <a:extLst>
                     <a:ext uri="{A12FA001-AC4F-418D-AE19-62706E023703}">
                       <ahyp:hlinkClr xmlns:ahyp="http://schemas.microsoft.com/office/drawing/2018/hyperlinkcolor" val="tx"/>
@@ -6483,7 +7742,7 @@
                   <a:schemeClr val="tx1"/>
                 </a:solidFill>
                 <a:latin typeface="Montserrat" panose="00000500000000000000" pitchFamily="50" charset="0"/>
-                <a:hlinkClick r:id="rId4">
+                <a:hlinkClick r:id="rId5">
                   <a:extLst>
                     <a:ext uri="{A12FA001-AC4F-418D-AE19-62706E023703}">
                       <ahyp:hlinkClr xmlns:ahyp="http://schemas.microsoft.com/office/drawing/2018/hyperlinkcolor" val="tx"/>
@@ -6499,6 +7758,71 @@
               </a:solidFill>
               <a:latin typeface="Montserrat" panose="00000500000000000000" pitchFamily="50" charset="0"/>
             </a:endParaRPr>
+          </a:p>
+          <a:p>
+            <a:pPr marL="457200" indent="-457200">
+              <a:lnSpc>
+                <a:spcPct val="150000"/>
+              </a:lnSpc>
+              <a:buAutoNum type="arabicPeriod"/>
+            </a:pPr>
+            <a:r>
+              <a:rPr lang="en-US" sz="2000" dirty="0">
+                <a:solidFill>
+                  <a:schemeClr val="tx1"/>
+                </a:solidFill>
+                <a:latin typeface="Montserrat" panose="00000500000000000000" pitchFamily="50" charset="0"/>
+              </a:rPr>
+              <a:t>Knowing What To Test: </a:t>
+            </a:r>
+            <a:r>
+              <a:rPr lang="en-US" sz="2000" u="sng" dirty="0">
+                <a:solidFill>
+                  <a:schemeClr val="tx1"/>
+                </a:solidFill>
+                <a:latin typeface="Montserrat" panose="00000500000000000000" pitchFamily="50" charset="0"/>
+                <a:hlinkClick r:id="rId6">
+                  <a:extLst>
+                    <a:ext uri="{A12FA001-AC4F-418D-AE19-62706E023703}">
+                      <ahyp:hlinkClr xmlns:ahyp="http://schemas.microsoft.com/office/drawing/2018/hyperlinkcolor" val="tx"/>
+                    </a:ext>
+                  </a:extLst>
+                </a:hlinkClick>
+              </a:rPr>
+              <a:t>https://vuejsdevelopers.com/2019/08/26/vue-what-to-unit-test-components/</a:t>
+            </a:r>
+            <a:endParaRPr lang="en-US" sz="2000" u="sng" dirty="0">
+              <a:solidFill>
+                <a:schemeClr val="tx1"/>
+              </a:solidFill>
+              <a:latin typeface="Montserrat" panose="00000500000000000000" pitchFamily="50" charset="0"/>
+            </a:endParaRPr>
+          </a:p>
+          <a:p>
+            <a:pPr marL="457200" indent="-457200">
+              <a:lnSpc>
+                <a:spcPct val="150000"/>
+              </a:lnSpc>
+              <a:buAutoNum type="arabicPeriod"/>
+            </a:pPr>
+            <a:r>
+              <a:rPr lang="en-US" sz="2000" dirty="0">
+                <a:solidFill>
+                  <a:schemeClr val="tx1"/>
+                </a:solidFill>
+                <a:latin typeface="Montserrat" panose="00000500000000000000" pitchFamily="50" charset="0"/>
+              </a:rPr>
+              <a:t>Unit Testing in Vue: What to test? </a:t>
+            </a:r>
+            <a:r>
+              <a:rPr lang="en-US" sz="2000" u="sng" dirty="0">
+                <a:solidFill>
+                  <a:schemeClr val="tx1"/>
+                </a:solidFill>
+                <a:latin typeface="Montserrat" panose="00000500000000000000" pitchFamily="50" charset="0"/>
+              </a:rPr>
+              <a:t>https://www.vuemastery.com/blog/unit-testing-vue-what-to-test/</a:t>
+            </a:r>
           </a:p>
           <a:p>
             <a:pPr marL="457200" indent="-457200">
@@ -6563,7 +7887,7 @@
 </p:sld>
 </file>
 
-<file path=ppt/slides/slide6.xml><?xml version="1.0" encoding="utf-8"?>
+<file path=ppt/slides/slide9.xml><?xml version="1.0" encoding="utf-8"?>
 <p:sld xmlns:a="http://schemas.openxmlformats.org/drawingml/2006/main" xmlns:r="http://schemas.openxmlformats.org/officeDocument/2006/relationships" xmlns:p="http://schemas.openxmlformats.org/presentationml/2006/main" showMasterSp="0">
   <p:cSld>
     <p:bg>
@@ -6640,20 +7964,24 @@
               <a:buNone/>
             </a:pPr>
             <a:r>
-              <a:rPr lang="en-US" sz="6000" dirty="0">
+              <a:rPr lang="en-US" sz="6000">
                 <a:solidFill>
                   <a:srgbClr val="0070C0"/>
                 </a:solidFill>
-                <a:latin typeface="Montserrat" panose="00000500000000000000" pitchFamily="50" charset="0"/>
+                <a:latin typeface="Arial"/>
+                <a:ea typeface="Arial"/>
+                <a:cs typeface="Arial"/>
                 <a:sym typeface="Arial"/>
               </a:rPr>
               <a:t>Thank you!</a:t>
             </a:r>
-            <a:endParaRPr sz="6000" dirty="0">
+            <a:endParaRPr sz="6000">
               <a:solidFill>
                 <a:srgbClr val="0070C0"/>
               </a:solidFill>
-              <a:latin typeface="Montserrat" panose="00000500000000000000" pitchFamily="50" charset="0"/>
+              <a:latin typeface="Arial"/>
+              <a:ea typeface="Arial"/>
+              <a:cs typeface="Arial"/>
               <a:sym typeface="Arial"/>
             </a:endParaRPr>
           </a:p>
@@ -6701,7 +8029,7 @@
               <a:buFont typeface="Arial"/>
               <a:buNone/>
             </a:pPr>
-            <a:endParaRPr sz="2400" b="0" i="0" u="none" strike="noStrike" cap="none" dirty="0">
+            <a:endParaRPr sz="2400" b="0" i="0" u="none" strike="noStrike" cap="none">
               <a:solidFill>
                 <a:srgbClr val="0C0C0C"/>
               </a:solidFill>
